--- a/220512.pptx
+++ b/220512.pptx
@@ -22,6 +22,8 @@
     <p:sldId id="270" r:id="rId16"/>
     <p:sldId id="271" r:id="rId17"/>
     <p:sldId id="272" r:id="rId18"/>
+    <p:sldId id="273" r:id="rId19"/>
+    <p:sldId id="274" r:id="rId20"/>
   </p:sldIdLst>
   <p:sldSz cx="12192000" cy="6858000"/>
   <p:notesSz cx="6858000" cy="9144000"/>
@@ -16660,6 +16662,1576 @@
     <p:extLst>
       <p:ext uri="{BB962C8B-B14F-4D97-AF65-F5344CB8AC3E}">
         <p14:creationId xmlns:p14="http://schemas.microsoft.com/office/powerpoint/2010/main" val="888374690"/>
+      </p:ext>
+    </p:extLst>
+  </p:cSld>
+  <p:clrMapOvr>
+    <a:masterClrMapping/>
+  </p:clrMapOvr>
+</p:sld>
+</file>
+
+<file path=ppt/slides/slide18.xml><?xml version="1.0" encoding="utf-8"?>
+<p:sld xmlns:a="http://schemas.openxmlformats.org/drawingml/2006/main" xmlns:r="http://schemas.openxmlformats.org/officeDocument/2006/relationships" xmlns:p="http://schemas.openxmlformats.org/presentationml/2006/main">
+  <p:cSld>
+    <p:spTree>
+      <p:nvGrpSpPr>
+        <p:cNvPr id="1" name=""/>
+        <p:cNvGrpSpPr/>
+        <p:nvPr/>
+      </p:nvGrpSpPr>
+      <p:grpSpPr>
+        <a:xfrm>
+          <a:off x="0" y="0"/>
+          <a:ext cx="0" cy="0"/>
+          <a:chOff x="0" y="0"/>
+          <a:chExt cx="0" cy="0"/>
+        </a:xfrm>
+      </p:grpSpPr>
+      <p:sp>
+        <p:nvSpPr>
+          <p:cNvPr id="4" name="직사각형 3">
+            <a:extLst>
+              <a:ext uri="{FF2B5EF4-FFF2-40B4-BE49-F238E27FC236}">
+                <a16:creationId xmlns:a16="http://schemas.microsoft.com/office/drawing/2014/main" id="{0E0F5F17-79D5-8EDF-A603-458AF725D32A}"/>
+              </a:ext>
+            </a:extLst>
+          </p:cNvPr>
+          <p:cNvSpPr/>
+          <p:nvPr/>
+        </p:nvSpPr>
+        <p:spPr>
+          <a:xfrm>
+            <a:off x="485775" y="179844"/>
+            <a:ext cx="5400675" cy="923330"/>
+          </a:xfrm>
+          <a:prstGeom prst="rect">
+            <a:avLst/>
+          </a:prstGeom>
+        </p:spPr>
+        <p:txBody>
+          <a:bodyPr wrap="square">
+            <a:spAutoFit/>
+          </a:bodyPr>
+          <a:lstStyle/>
+          <a:p>
+            <a:r>
+              <a:rPr lang="en" altLang="ko-Kore-KR" dirty="0">
+                <a:solidFill>
+                  <a:srgbClr val="0000FF"/>
+                </a:solidFill>
+                <a:latin typeface="DM Mono" panose="020B0509040201040103" pitchFamily="49" charset="0"/>
+              </a:rPr>
+              <a:t>char</a:t>
+            </a:r>
+            <a:r>
+              <a:rPr lang="en" altLang="ko-Kore-KR" dirty="0">
+                <a:solidFill>
+                  <a:srgbClr val="000000"/>
+                </a:solidFill>
+                <a:latin typeface="DM Mono" panose="020B0509040201040103" pitchFamily="49" charset="0"/>
+              </a:rPr>
+              <a:t> </a:t>
+            </a:r>
+            <a:r>
+              <a:rPr lang="en" altLang="ko-Kore-KR" dirty="0">
+                <a:solidFill>
+                  <a:srgbClr val="001080"/>
+                </a:solidFill>
+                <a:latin typeface="DM Mono" panose="020B0509040201040103" pitchFamily="49" charset="0"/>
+              </a:rPr>
+              <a:t>str</a:t>
+            </a:r>
+            <a:r>
+              <a:rPr lang="en" altLang="ko-Kore-KR" dirty="0">
+                <a:solidFill>
+                  <a:srgbClr val="0000FF"/>
+                </a:solidFill>
+                <a:latin typeface="DM Mono" panose="020B0509040201040103" pitchFamily="49" charset="0"/>
+              </a:rPr>
+              <a:t>[]</a:t>
+            </a:r>
+            <a:r>
+              <a:rPr lang="en" altLang="ko-Kore-KR" dirty="0">
+                <a:solidFill>
+                  <a:srgbClr val="000000"/>
+                </a:solidFill>
+                <a:latin typeface="DM Mono" panose="020B0509040201040103" pitchFamily="49" charset="0"/>
+              </a:rPr>
+              <a:t> = </a:t>
+            </a:r>
+            <a:r>
+              <a:rPr lang="en" altLang="ko-Kore-KR" dirty="0">
+                <a:solidFill>
+                  <a:srgbClr val="A31515"/>
+                </a:solidFill>
+                <a:latin typeface="DM Mono" panose="020B0509040201040103" pitchFamily="49" charset="0"/>
+              </a:rPr>
+              <a:t>"hello"</a:t>
+            </a:r>
+            <a:r>
+              <a:rPr lang="en" altLang="ko-Kore-KR" dirty="0">
+                <a:solidFill>
+                  <a:srgbClr val="000000"/>
+                </a:solidFill>
+                <a:latin typeface="DM Mono" panose="020B0509040201040103" pitchFamily="49" charset="0"/>
+              </a:rPr>
+              <a:t>;</a:t>
+            </a:r>
+          </a:p>
+          <a:p>
+            <a:r>
+              <a:rPr lang="en" altLang="ko-Kore-KR" dirty="0">
+                <a:solidFill>
+                  <a:srgbClr val="0000FF"/>
+                </a:solidFill>
+                <a:latin typeface="DM Mono" panose="020B0509040201040103" pitchFamily="49" charset="0"/>
+              </a:rPr>
+              <a:t>char</a:t>
+            </a:r>
+            <a:r>
+              <a:rPr lang="en" altLang="ko-Kore-KR" dirty="0">
+                <a:solidFill>
+                  <a:srgbClr val="000000"/>
+                </a:solidFill>
+                <a:latin typeface="DM Mono" panose="020B0509040201040103" pitchFamily="49" charset="0"/>
+              </a:rPr>
+              <a:t>* </a:t>
+            </a:r>
+            <a:r>
+              <a:rPr lang="en" altLang="ko-Kore-KR" dirty="0">
+                <a:solidFill>
+                  <a:srgbClr val="001080"/>
+                </a:solidFill>
+                <a:latin typeface="DM Mono" panose="020B0509040201040103" pitchFamily="49" charset="0"/>
+              </a:rPr>
+              <a:t>str2</a:t>
+            </a:r>
+            <a:r>
+              <a:rPr lang="en" altLang="ko-Kore-KR" dirty="0">
+                <a:solidFill>
+                  <a:srgbClr val="000000"/>
+                </a:solidFill>
+                <a:latin typeface="DM Mono" panose="020B0509040201040103" pitchFamily="49" charset="0"/>
+              </a:rPr>
+              <a:t> = </a:t>
+            </a:r>
+            <a:r>
+              <a:rPr lang="en" altLang="ko-Kore-KR" dirty="0">
+                <a:solidFill>
+                  <a:srgbClr val="A31515"/>
+                </a:solidFill>
+                <a:latin typeface="DM Mono" panose="020B0509040201040103" pitchFamily="49" charset="0"/>
+              </a:rPr>
+              <a:t>"hello"</a:t>
+            </a:r>
+            <a:r>
+              <a:rPr lang="en" altLang="ko-Kore-KR" dirty="0">
+                <a:solidFill>
+                  <a:srgbClr val="000000"/>
+                </a:solidFill>
+                <a:latin typeface="DM Mono" panose="020B0509040201040103" pitchFamily="49" charset="0"/>
+              </a:rPr>
+              <a:t>;</a:t>
+            </a:r>
+          </a:p>
+          <a:p>
+            <a:endParaRPr lang="en" altLang="ko-Kore-KR" dirty="0">
+              <a:solidFill>
+                <a:srgbClr val="000000"/>
+              </a:solidFill>
+              <a:latin typeface="DM Mono" panose="020B0509040201040103" pitchFamily="49" charset="0"/>
+            </a:endParaRPr>
+          </a:p>
+        </p:txBody>
+      </p:sp>
+      <p:sp>
+        <p:nvSpPr>
+          <p:cNvPr id="5" name="직사각형 4">
+            <a:extLst>
+              <a:ext uri="{FF2B5EF4-FFF2-40B4-BE49-F238E27FC236}">
+                <a16:creationId xmlns:a16="http://schemas.microsoft.com/office/drawing/2014/main" id="{356D2266-76C9-BF5B-FD30-A939499031A9}"/>
+              </a:ext>
+            </a:extLst>
+          </p:cNvPr>
+          <p:cNvSpPr/>
+          <p:nvPr/>
+        </p:nvSpPr>
+        <p:spPr>
+          <a:xfrm>
+            <a:off x="5990145" y="1132144"/>
+            <a:ext cx="3234906" cy="2706432"/>
+          </a:xfrm>
+          <a:prstGeom prst="rect">
+            <a:avLst/>
+          </a:prstGeom>
+          <a:noFill/>
+        </p:spPr>
+        <p:style>
+          <a:lnRef idx="2">
+            <a:schemeClr val="accent4"/>
+          </a:lnRef>
+          <a:fillRef idx="1">
+            <a:schemeClr val="lt1"/>
+          </a:fillRef>
+          <a:effectRef idx="0">
+            <a:schemeClr val="accent4"/>
+          </a:effectRef>
+          <a:fontRef idx="minor">
+            <a:schemeClr val="dk1"/>
+          </a:fontRef>
+        </p:style>
+        <p:txBody>
+          <a:bodyPr rtlCol="0" anchor="ctr"/>
+          <a:lstStyle/>
+          <a:p>
+            <a:pPr algn="ctr"/>
+            <a:endParaRPr kumimoji="1" lang="ko-Kore-KR" altLang="en-US" sz="1400" dirty="0">
+              <a:solidFill>
+                <a:schemeClr val="tx1"/>
+              </a:solidFill>
+            </a:endParaRPr>
+          </a:p>
+        </p:txBody>
+      </p:sp>
+      <p:sp>
+        <p:nvSpPr>
+          <p:cNvPr id="6" name="직사각형 5">
+            <a:extLst>
+              <a:ext uri="{FF2B5EF4-FFF2-40B4-BE49-F238E27FC236}">
+                <a16:creationId xmlns:a16="http://schemas.microsoft.com/office/drawing/2014/main" id="{F2F6ABCE-EAF1-064A-0722-05BF2FF7169B}"/>
+              </a:ext>
+            </a:extLst>
+          </p:cNvPr>
+          <p:cNvSpPr/>
+          <p:nvPr/>
+        </p:nvSpPr>
+        <p:spPr>
+          <a:xfrm>
+            <a:off x="6643706" y="737257"/>
+            <a:ext cx="1838965" cy="369332"/>
+          </a:xfrm>
+          <a:prstGeom prst="rect">
+            <a:avLst/>
+          </a:prstGeom>
+        </p:spPr>
+        <p:txBody>
+          <a:bodyPr wrap="none">
+            <a:spAutoFit/>
+          </a:bodyPr>
+          <a:lstStyle/>
+          <a:p>
+            <a:r>
+              <a:rPr lang="en" altLang="ko-Kore-KR" dirty="0">
+                <a:solidFill>
+                  <a:srgbClr val="795E26"/>
+                </a:solidFill>
+                <a:latin typeface="DM Mono" panose="020B0509040201040103" pitchFamily="49" charset="0"/>
+              </a:rPr>
+              <a:t>main - Stack</a:t>
+            </a:r>
+            <a:endParaRPr lang="ko-Kore-KR" altLang="en-US" dirty="0"/>
+          </a:p>
+        </p:txBody>
+      </p:sp>
+      <p:sp>
+        <p:nvSpPr>
+          <p:cNvPr id="23" name="직사각형 22">
+            <a:extLst>
+              <a:ext uri="{FF2B5EF4-FFF2-40B4-BE49-F238E27FC236}">
+                <a16:creationId xmlns:a16="http://schemas.microsoft.com/office/drawing/2014/main" id="{576E4052-CC08-C1CF-3A55-BA2043A609A9}"/>
+              </a:ext>
+            </a:extLst>
+          </p:cNvPr>
+          <p:cNvSpPr/>
+          <p:nvPr/>
+        </p:nvSpPr>
+        <p:spPr>
+          <a:xfrm>
+            <a:off x="6201237" y="1481333"/>
+            <a:ext cx="401225" cy="518917"/>
+          </a:xfrm>
+          <a:prstGeom prst="rect">
+            <a:avLst/>
+          </a:prstGeom>
+          <a:solidFill>
+            <a:srgbClr val="FFFF00"/>
+          </a:solidFill>
+        </p:spPr>
+        <p:style>
+          <a:lnRef idx="2">
+            <a:schemeClr val="accent1">
+              <a:shade val="50000"/>
+            </a:schemeClr>
+          </a:lnRef>
+          <a:fillRef idx="1">
+            <a:schemeClr val="accent1"/>
+          </a:fillRef>
+          <a:effectRef idx="0">
+            <a:schemeClr val="accent1"/>
+          </a:effectRef>
+          <a:fontRef idx="minor">
+            <a:schemeClr val="lt1"/>
+          </a:fontRef>
+        </p:style>
+        <p:txBody>
+          <a:bodyPr rtlCol="0" anchor="ctr"/>
+          <a:lstStyle/>
+          <a:p>
+            <a:pPr algn="ctr"/>
+            <a:r>
+              <a:rPr kumimoji="1" lang="en-US" altLang="ko-Kore-KR" sz="1400" dirty="0">
+                <a:solidFill>
+                  <a:schemeClr val="tx1"/>
+                </a:solidFill>
+              </a:rPr>
+              <a:t>h</a:t>
+            </a:r>
+            <a:endParaRPr kumimoji="1" lang="ko-Kore-KR" altLang="en-US" sz="1400" dirty="0">
+              <a:solidFill>
+                <a:schemeClr val="tx1"/>
+              </a:solidFill>
+            </a:endParaRPr>
+          </a:p>
+        </p:txBody>
+      </p:sp>
+      <p:sp>
+        <p:nvSpPr>
+          <p:cNvPr id="25" name="직사각형 24">
+            <a:extLst>
+              <a:ext uri="{FF2B5EF4-FFF2-40B4-BE49-F238E27FC236}">
+                <a16:creationId xmlns:a16="http://schemas.microsoft.com/office/drawing/2014/main" id="{CC1227AA-1AE4-24E9-E8E9-FC8BA6D04E45}"/>
+              </a:ext>
+            </a:extLst>
+          </p:cNvPr>
+          <p:cNvSpPr/>
+          <p:nvPr/>
+        </p:nvSpPr>
+        <p:spPr>
+          <a:xfrm>
+            <a:off x="6602462" y="1481333"/>
+            <a:ext cx="401225" cy="518917"/>
+          </a:xfrm>
+          <a:prstGeom prst="rect">
+            <a:avLst/>
+          </a:prstGeom>
+          <a:solidFill>
+            <a:srgbClr val="FFFF00"/>
+          </a:solidFill>
+        </p:spPr>
+        <p:style>
+          <a:lnRef idx="2">
+            <a:schemeClr val="accent1">
+              <a:shade val="50000"/>
+            </a:schemeClr>
+          </a:lnRef>
+          <a:fillRef idx="1">
+            <a:schemeClr val="accent1"/>
+          </a:fillRef>
+          <a:effectRef idx="0">
+            <a:schemeClr val="accent1"/>
+          </a:effectRef>
+          <a:fontRef idx="minor">
+            <a:schemeClr val="lt1"/>
+          </a:fontRef>
+        </p:style>
+        <p:txBody>
+          <a:bodyPr rtlCol="0" anchor="ctr"/>
+          <a:lstStyle/>
+          <a:p>
+            <a:pPr algn="ctr"/>
+            <a:r>
+              <a:rPr kumimoji="1" lang="en-US" altLang="ko-Kore-KR" sz="1400" dirty="0">
+                <a:solidFill>
+                  <a:schemeClr val="tx1"/>
+                </a:solidFill>
+              </a:rPr>
+              <a:t>e</a:t>
+            </a:r>
+            <a:endParaRPr kumimoji="1" lang="ko-Kore-KR" altLang="en-US" sz="1400" dirty="0">
+              <a:solidFill>
+                <a:schemeClr val="tx1"/>
+              </a:solidFill>
+            </a:endParaRPr>
+          </a:p>
+        </p:txBody>
+      </p:sp>
+      <p:sp>
+        <p:nvSpPr>
+          <p:cNvPr id="26" name="직사각형 25">
+            <a:extLst>
+              <a:ext uri="{FF2B5EF4-FFF2-40B4-BE49-F238E27FC236}">
+                <a16:creationId xmlns:a16="http://schemas.microsoft.com/office/drawing/2014/main" id="{D21628A2-344F-01BE-9EF9-A103A4D9EF96}"/>
+              </a:ext>
+            </a:extLst>
+          </p:cNvPr>
+          <p:cNvSpPr/>
+          <p:nvPr/>
+        </p:nvSpPr>
+        <p:spPr>
+          <a:xfrm>
+            <a:off x="7003687" y="1481333"/>
+            <a:ext cx="401225" cy="518917"/>
+          </a:xfrm>
+          <a:prstGeom prst="rect">
+            <a:avLst/>
+          </a:prstGeom>
+          <a:solidFill>
+            <a:srgbClr val="FFFF00"/>
+          </a:solidFill>
+        </p:spPr>
+        <p:style>
+          <a:lnRef idx="2">
+            <a:schemeClr val="accent1">
+              <a:shade val="50000"/>
+            </a:schemeClr>
+          </a:lnRef>
+          <a:fillRef idx="1">
+            <a:schemeClr val="accent1"/>
+          </a:fillRef>
+          <a:effectRef idx="0">
+            <a:schemeClr val="accent1"/>
+          </a:effectRef>
+          <a:fontRef idx="minor">
+            <a:schemeClr val="lt1"/>
+          </a:fontRef>
+        </p:style>
+        <p:txBody>
+          <a:bodyPr rtlCol="0" anchor="ctr"/>
+          <a:lstStyle/>
+          <a:p>
+            <a:pPr algn="ctr"/>
+            <a:r>
+              <a:rPr kumimoji="1" lang="en-US" altLang="ko-Kore-KR" sz="1400" dirty="0">
+                <a:solidFill>
+                  <a:schemeClr val="tx1"/>
+                </a:solidFill>
+              </a:rPr>
+              <a:t>l</a:t>
+            </a:r>
+            <a:endParaRPr kumimoji="1" lang="ko-Kore-KR" altLang="en-US" sz="1400" dirty="0">
+              <a:solidFill>
+                <a:schemeClr val="tx1"/>
+              </a:solidFill>
+            </a:endParaRPr>
+          </a:p>
+        </p:txBody>
+      </p:sp>
+      <p:sp>
+        <p:nvSpPr>
+          <p:cNvPr id="27" name="직사각형 26">
+            <a:extLst>
+              <a:ext uri="{FF2B5EF4-FFF2-40B4-BE49-F238E27FC236}">
+                <a16:creationId xmlns:a16="http://schemas.microsoft.com/office/drawing/2014/main" id="{563C0CC0-C5DE-30AE-8DCE-DCBBE61FDE9A}"/>
+              </a:ext>
+            </a:extLst>
+          </p:cNvPr>
+          <p:cNvSpPr/>
+          <p:nvPr/>
+        </p:nvSpPr>
+        <p:spPr>
+          <a:xfrm>
+            <a:off x="7404912" y="1481333"/>
+            <a:ext cx="401225" cy="518917"/>
+          </a:xfrm>
+          <a:prstGeom prst="rect">
+            <a:avLst/>
+          </a:prstGeom>
+          <a:solidFill>
+            <a:srgbClr val="FFFF00"/>
+          </a:solidFill>
+        </p:spPr>
+        <p:style>
+          <a:lnRef idx="2">
+            <a:schemeClr val="accent1">
+              <a:shade val="50000"/>
+            </a:schemeClr>
+          </a:lnRef>
+          <a:fillRef idx="1">
+            <a:schemeClr val="accent1"/>
+          </a:fillRef>
+          <a:effectRef idx="0">
+            <a:schemeClr val="accent1"/>
+          </a:effectRef>
+          <a:fontRef idx="minor">
+            <a:schemeClr val="lt1"/>
+          </a:fontRef>
+        </p:style>
+        <p:txBody>
+          <a:bodyPr rtlCol="0" anchor="ctr"/>
+          <a:lstStyle/>
+          <a:p>
+            <a:pPr algn="ctr"/>
+            <a:r>
+              <a:rPr kumimoji="1" lang="en-US" altLang="ko-Kore-KR" sz="1400" dirty="0">
+                <a:solidFill>
+                  <a:schemeClr val="tx1"/>
+                </a:solidFill>
+              </a:rPr>
+              <a:t>l</a:t>
+            </a:r>
+            <a:endParaRPr kumimoji="1" lang="ko-Kore-KR" altLang="en-US" sz="1400" dirty="0">
+              <a:solidFill>
+                <a:schemeClr val="tx1"/>
+              </a:solidFill>
+            </a:endParaRPr>
+          </a:p>
+        </p:txBody>
+      </p:sp>
+      <p:sp>
+        <p:nvSpPr>
+          <p:cNvPr id="28" name="직사각형 27">
+            <a:extLst>
+              <a:ext uri="{FF2B5EF4-FFF2-40B4-BE49-F238E27FC236}">
+                <a16:creationId xmlns:a16="http://schemas.microsoft.com/office/drawing/2014/main" id="{E446CEFC-695B-1D48-F439-08465649DF7B}"/>
+              </a:ext>
+            </a:extLst>
+          </p:cNvPr>
+          <p:cNvSpPr/>
+          <p:nvPr/>
+        </p:nvSpPr>
+        <p:spPr>
+          <a:xfrm>
+            <a:off x="7806137" y="1481333"/>
+            <a:ext cx="401225" cy="518917"/>
+          </a:xfrm>
+          <a:prstGeom prst="rect">
+            <a:avLst/>
+          </a:prstGeom>
+          <a:solidFill>
+            <a:srgbClr val="FFFF00"/>
+          </a:solidFill>
+        </p:spPr>
+        <p:style>
+          <a:lnRef idx="2">
+            <a:schemeClr val="accent1">
+              <a:shade val="50000"/>
+            </a:schemeClr>
+          </a:lnRef>
+          <a:fillRef idx="1">
+            <a:schemeClr val="accent1"/>
+          </a:fillRef>
+          <a:effectRef idx="0">
+            <a:schemeClr val="accent1"/>
+          </a:effectRef>
+          <a:fontRef idx="minor">
+            <a:schemeClr val="lt1"/>
+          </a:fontRef>
+        </p:style>
+        <p:txBody>
+          <a:bodyPr rtlCol="0" anchor="ctr"/>
+          <a:lstStyle/>
+          <a:p>
+            <a:pPr algn="ctr"/>
+            <a:r>
+              <a:rPr kumimoji="1" lang="en-US" altLang="ko-Kore-KR" sz="1400" dirty="0">
+                <a:solidFill>
+                  <a:schemeClr val="tx1"/>
+                </a:solidFill>
+              </a:rPr>
+              <a:t>o</a:t>
+            </a:r>
+            <a:endParaRPr kumimoji="1" lang="ko-Kore-KR" altLang="en-US" sz="1400" dirty="0">
+              <a:solidFill>
+                <a:schemeClr val="tx1"/>
+              </a:solidFill>
+            </a:endParaRPr>
+          </a:p>
+        </p:txBody>
+      </p:sp>
+      <p:sp>
+        <p:nvSpPr>
+          <p:cNvPr id="29" name="직사각형 28">
+            <a:extLst>
+              <a:ext uri="{FF2B5EF4-FFF2-40B4-BE49-F238E27FC236}">
+                <a16:creationId xmlns:a16="http://schemas.microsoft.com/office/drawing/2014/main" id="{FAD23918-40BC-F859-A293-CAED1E8E648A}"/>
+              </a:ext>
+            </a:extLst>
+          </p:cNvPr>
+          <p:cNvSpPr/>
+          <p:nvPr/>
+        </p:nvSpPr>
+        <p:spPr>
+          <a:xfrm>
+            <a:off x="8207362" y="1481333"/>
+            <a:ext cx="401225" cy="518917"/>
+          </a:xfrm>
+          <a:prstGeom prst="rect">
+            <a:avLst/>
+          </a:prstGeom>
+          <a:solidFill>
+            <a:srgbClr val="FFFF00"/>
+          </a:solidFill>
+        </p:spPr>
+        <p:style>
+          <a:lnRef idx="2">
+            <a:schemeClr val="accent1">
+              <a:shade val="50000"/>
+            </a:schemeClr>
+          </a:lnRef>
+          <a:fillRef idx="1">
+            <a:schemeClr val="accent1"/>
+          </a:fillRef>
+          <a:effectRef idx="0">
+            <a:schemeClr val="accent1"/>
+          </a:effectRef>
+          <a:fontRef idx="minor">
+            <a:schemeClr val="lt1"/>
+          </a:fontRef>
+        </p:style>
+        <p:txBody>
+          <a:bodyPr rtlCol="0" anchor="ctr"/>
+          <a:lstStyle/>
+          <a:p>
+            <a:pPr algn="ctr"/>
+            <a:r>
+              <a:rPr kumimoji="1" lang="en-US" altLang="ko-Kore-KR" sz="1400" dirty="0">
+                <a:solidFill>
+                  <a:schemeClr val="tx1"/>
+                </a:solidFill>
+              </a:rPr>
+              <a:t>\0</a:t>
+            </a:r>
+            <a:endParaRPr kumimoji="1" lang="ko-Kore-KR" altLang="en-US" sz="1400" dirty="0">
+              <a:solidFill>
+                <a:schemeClr val="tx1"/>
+              </a:solidFill>
+            </a:endParaRPr>
+          </a:p>
+        </p:txBody>
+      </p:sp>
+      <p:sp>
+        <p:nvSpPr>
+          <p:cNvPr id="2" name="직사각형 1">
+            <a:extLst>
+              <a:ext uri="{FF2B5EF4-FFF2-40B4-BE49-F238E27FC236}">
+                <a16:creationId xmlns:a16="http://schemas.microsoft.com/office/drawing/2014/main" id="{BEEA2B0E-9202-3185-3A16-A3F540658894}"/>
+              </a:ext>
+            </a:extLst>
+          </p:cNvPr>
+          <p:cNvSpPr/>
+          <p:nvPr/>
+        </p:nvSpPr>
+        <p:spPr>
+          <a:xfrm>
+            <a:off x="5602996" y="1556125"/>
+            <a:ext cx="598241" cy="369332"/>
+          </a:xfrm>
+          <a:prstGeom prst="rect">
+            <a:avLst/>
+          </a:prstGeom>
+        </p:spPr>
+        <p:txBody>
+          <a:bodyPr wrap="none">
+            <a:spAutoFit/>
+          </a:bodyPr>
+          <a:lstStyle/>
+          <a:p>
+            <a:r>
+              <a:rPr lang="en" altLang="ko-Kore-KR" dirty="0">
+                <a:solidFill>
+                  <a:srgbClr val="001080"/>
+                </a:solidFill>
+                <a:latin typeface="DM Mono" panose="020B0509040201040103" pitchFamily="49" charset="0"/>
+              </a:rPr>
+              <a:t>str</a:t>
+            </a:r>
+            <a:endParaRPr lang="ko-Kore-KR" altLang="en-US" dirty="0"/>
+          </a:p>
+        </p:txBody>
+      </p:sp>
+      <p:sp>
+        <p:nvSpPr>
+          <p:cNvPr id="30" name="직사각형 29">
+            <a:extLst>
+              <a:ext uri="{FF2B5EF4-FFF2-40B4-BE49-F238E27FC236}">
+                <a16:creationId xmlns:a16="http://schemas.microsoft.com/office/drawing/2014/main" id="{6077D9DA-2C8B-F61D-2D7C-C599082C15AE}"/>
+              </a:ext>
+            </a:extLst>
+          </p:cNvPr>
+          <p:cNvSpPr/>
+          <p:nvPr/>
+        </p:nvSpPr>
+        <p:spPr>
+          <a:xfrm>
+            <a:off x="7325187" y="2400495"/>
+            <a:ext cx="401225" cy="518917"/>
+          </a:xfrm>
+          <a:prstGeom prst="rect">
+            <a:avLst/>
+          </a:prstGeom>
+          <a:solidFill>
+            <a:srgbClr val="FFFF00"/>
+          </a:solidFill>
+        </p:spPr>
+        <p:style>
+          <a:lnRef idx="2">
+            <a:schemeClr val="accent1">
+              <a:shade val="50000"/>
+            </a:schemeClr>
+          </a:lnRef>
+          <a:fillRef idx="1">
+            <a:schemeClr val="accent1"/>
+          </a:fillRef>
+          <a:effectRef idx="0">
+            <a:schemeClr val="accent1"/>
+          </a:effectRef>
+          <a:fontRef idx="minor">
+            <a:schemeClr val="lt1"/>
+          </a:fontRef>
+        </p:style>
+        <p:txBody>
+          <a:bodyPr rtlCol="0" anchor="ctr"/>
+          <a:lstStyle/>
+          <a:p>
+            <a:pPr algn="ctr"/>
+            <a:endParaRPr kumimoji="1" lang="ko-Kore-KR" altLang="en-US" sz="1400" dirty="0">
+              <a:solidFill>
+                <a:schemeClr val="tx1"/>
+              </a:solidFill>
+            </a:endParaRPr>
+          </a:p>
+        </p:txBody>
+      </p:sp>
+      <p:sp>
+        <p:nvSpPr>
+          <p:cNvPr id="31" name="직사각형 30">
+            <a:extLst>
+              <a:ext uri="{FF2B5EF4-FFF2-40B4-BE49-F238E27FC236}">
+                <a16:creationId xmlns:a16="http://schemas.microsoft.com/office/drawing/2014/main" id="{D7C14B2A-5EB3-AE9F-D6AB-3975B36FF567}"/>
+              </a:ext>
+            </a:extLst>
+          </p:cNvPr>
+          <p:cNvSpPr/>
+          <p:nvPr/>
+        </p:nvSpPr>
+        <p:spPr>
+          <a:xfrm>
+            <a:off x="6589088" y="2485360"/>
+            <a:ext cx="736099" cy="369332"/>
+          </a:xfrm>
+          <a:prstGeom prst="rect">
+            <a:avLst/>
+          </a:prstGeom>
+        </p:spPr>
+        <p:txBody>
+          <a:bodyPr wrap="none">
+            <a:spAutoFit/>
+          </a:bodyPr>
+          <a:lstStyle/>
+          <a:p>
+            <a:r>
+              <a:rPr lang="en" altLang="ko-Kore-KR" dirty="0">
+                <a:solidFill>
+                  <a:srgbClr val="001080"/>
+                </a:solidFill>
+                <a:latin typeface="DM Mono" panose="020B0509040201040103" pitchFamily="49" charset="0"/>
+              </a:rPr>
+              <a:t>str2</a:t>
+            </a:r>
+            <a:endParaRPr lang="ko-Kore-KR" altLang="en-US" dirty="0"/>
+          </a:p>
+        </p:txBody>
+      </p:sp>
+      <p:sp>
+        <p:nvSpPr>
+          <p:cNvPr id="3" name="직사각형 2">
+            <a:extLst>
+              <a:ext uri="{FF2B5EF4-FFF2-40B4-BE49-F238E27FC236}">
+                <a16:creationId xmlns:a16="http://schemas.microsoft.com/office/drawing/2014/main" id="{2F5ED69B-211C-51D1-8BE1-803B1B9C2D99}"/>
+              </a:ext>
+            </a:extLst>
+          </p:cNvPr>
+          <p:cNvSpPr/>
+          <p:nvPr/>
+        </p:nvSpPr>
+        <p:spPr>
+          <a:xfrm>
+            <a:off x="10090909" y="456843"/>
+            <a:ext cx="1287532" cy="369332"/>
+          </a:xfrm>
+          <a:prstGeom prst="rect">
+            <a:avLst/>
+          </a:prstGeom>
+        </p:spPr>
+        <p:txBody>
+          <a:bodyPr wrap="none">
+            <a:spAutoFit/>
+          </a:bodyPr>
+          <a:lstStyle/>
+          <a:p>
+            <a:r>
+              <a:rPr lang="en" altLang="ko-Kore-KR" dirty="0">
+                <a:solidFill>
+                  <a:srgbClr val="A31515"/>
+                </a:solidFill>
+                <a:latin typeface="DM Mono" panose="020B0509040201040103" pitchFamily="49" charset="0"/>
+              </a:rPr>
+              <a:t>"hello"</a:t>
+            </a:r>
+            <a:r>
+              <a:rPr lang="en" altLang="ko-Kore-KR" dirty="0">
+                <a:solidFill>
+                  <a:srgbClr val="000000"/>
+                </a:solidFill>
+                <a:latin typeface="DM Mono" panose="020B0509040201040103" pitchFamily="49" charset="0"/>
+              </a:rPr>
+              <a:t>;</a:t>
+            </a:r>
+            <a:endParaRPr lang="ko-Kore-KR" altLang="en-US" dirty="0"/>
+          </a:p>
+        </p:txBody>
+      </p:sp>
+      <p:cxnSp>
+        <p:nvCxnSpPr>
+          <p:cNvPr id="16" name="구부러진 연결선[U] 15">
+            <a:extLst>
+              <a:ext uri="{FF2B5EF4-FFF2-40B4-BE49-F238E27FC236}">
+                <a16:creationId xmlns:a16="http://schemas.microsoft.com/office/drawing/2014/main" id="{04030A07-4D22-3C36-AD15-4E4669C9FA2F}"/>
+              </a:ext>
+            </a:extLst>
+          </p:cNvPr>
+          <p:cNvCxnSpPr>
+            <a:endCxn id="3" idx="1"/>
+          </p:cNvCxnSpPr>
+          <p:nvPr/>
+        </p:nvCxnSpPr>
+        <p:spPr>
+          <a:xfrm flipV="1">
+            <a:off x="7806137" y="641509"/>
+            <a:ext cx="2284772" cy="2101691"/>
+          </a:xfrm>
+          <a:prstGeom prst="curvedConnector3">
+            <a:avLst>
+              <a:gd name="adj1" fmla="val 93357"/>
+            </a:avLst>
+          </a:prstGeom>
+          <a:ln>
+            <a:tailEnd type="triangle"/>
+          </a:ln>
+        </p:spPr>
+        <p:style>
+          <a:lnRef idx="1">
+            <a:schemeClr val="accent1"/>
+          </a:lnRef>
+          <a:fillRef idx="0">
+            <a:schemeClr val="accent1"/>
+          </a:fillRef>
+          <a:effectRef idx="0">
+            <a:schemeClr val="accent1"/>
+          </a:effectRef>
+          <a:fontRef idx="minor">
+            <a:schemeClr val="tx1"/>
+          </a:fontRef>
+        </p:style>
+      </p:cxnSp>
+    </p:spTree>
+    <p:extLst>
+      <p:ext uri="{BB962C8B-B14F-4D97-AF65-F5344CB8AC3E}">
+        <p14:creationId xmlns:p14="http://schemas.microsoft.com/office/powerpoint/2010/main" val="3678485660"/>
+      </p:ext>
+    </p:extLst>
+  </p:cSld>
+  <p:clrMapOvr>
+    <a:masterClrMapping/>
+  </p:clrMapOvr>
+</p:sld>
+</file>
+
+<file path=ppt/slides/slide19.xml><?xml version="1.0" encoding="utf-8"?>
+<p:sld xmlns:a="http://schemas.openxmlformats.org/drawingml/2006/main" xmlns:r="http://schemas.openxmlformats.org/officeDocument/2006/relationships" xmlns:p="http://schemas.openxmlformats.org/presentationml/2006/main">
+  <p:cSld>
+    <p:spTree>
+      <p:nvGrpSpPr>
+        <p:cNvPr id="1" name=""/>
+        <p:cNvGrpSpPr/>
+        <p:nvPr/>
+      </p:nvGrpSpPr>
+      <p:grpSpPr>
+        <a:xfrm>
+          <a:off x="0" y="0"/>
+          <a:ext cx="0" cy="0"/>
+          <a:chOff x="0" y="0"/>
+          <a:chExt cx="0" cy="0"/>
+        </a:xfrm>
+      </p:grpSpPr>
+      <p:sp>
+        <p:nvSpPr>
+          <p:cNvPr id="7" name="직사각형 6">
+            <a:extLst>
+              <a:ext uri="{FF2B5EF4-FFF2-40B4-BE49-F238E27FC236}">
+                <a16:creationId xmlns:a16="http://schemas.microsoft.com/office/drawing/2014/main" id="{0799A604-5447-F859-9D53-65E1F6B3922F}"/>
+              </a:ext>
+            </a:extLst>
+          </p:cNvPr>
+          <p:cNvSpPr/>
+          <p:nvPr/>
+        </p:nvSpPr>
+        <p:spPr>
+          <a:xfrm>
+            <a:off x="657225" y="304711"/>
+            <a:ext cx="6096000" cy="2031325"/>
+          </a:xfrm>
+          <a:prstGeom prst="rect">
+            <a:avLst/>
+          </a:prstGeom>
+        </p:spPr>
+        <p:txBody>
+          <a:bodyPr>
+            <a:spAutoFit/>
+          </a:bodyPr>
+          <a:lstStyle/>
+          <a:p>
+            <a:r>
+              <a:rPr lang="en" altLang="ko-Kore-KR" dirty="0">
+                <a:solidFill>
+                  <a:srgbClr val="0000FF"/>
+                </a:solidFill>
+                <a:latin typeface="DM Mono" panose="020B0509040201040103" pitchFamily="49" charset="0"/>
+              </a:rPr>
+              <a:t>int</a:t>
+            </a:r>
+            <a:r>
+              <a:rPr lang="en" altLang="ko-Kore-KR" dirty="0">
+                <a:solidFill>
+                  <a:srgbClr val="000000"/>
+                </a:solidFill>
+                <a:latin typeface="DM Mono" panose="020B0509040201040103" pitchFamily="49" charset="0"/>
+              </a:rPr>
+              <a:t> </a:t>
+            </a:r>
+            <a:r>
+              <a:rPr lang="en" altLang="ko-Kore-KR" dirty="0">
+                <a:solidFill>
+                  <a:srgbClr val="001080"/>
+                </a:solidFill>
+                <a:latin typeface="DM Mono" panose="020B0509040201040103" pitchFamily="49" charset="0"/>
+              </a:rPr>
+              <a:t>a</a:t>
+            </a:r>
+            <a:r>
+              <a:rPr lang="en" altLang="ko-Kore-KR" dirty="0">
+                <a:solidFill>
+                  <a:srgbClr val="000000"/>
+                </a:solidFill>
+                <a:latin typeface="DM Mono" panose="020B0509040201040103" pitchFamily="49" charset="0"/>
+              </a:rPr>
+              <a:t> = </a:t>
+            </a:r>
+            <a:r>
+              <a:rPr lang="en" altLang="ko-Kore-KR" dirty="0">
+                <a:solidFill>
+                  <a:srgbClr val="098658"/>
+                </a:solidFill>
+                <a:latin typeface="DM Mono" panose="020B0509040201040103" pitchFamily="49" charset="0"/>
+              </a:rPr>
+              <a:t>10</a:t>
+            </a:r>
+            <a:r>
+              <a:rPr lang="en" altLang="ko-Kore-KR" dirty="0">
+                <a:solidFill>
+                  <a:srgbClr val="000000"/>
+                </a:solidFill>
+                <a:latin typeface="DM Mono" panose="020B0509040201040103" pitchFamily="49" charset="0"/>
+              </a:rPr>
+              <a:t>;</a:t>
+            </a:r>
+          </a:p>
+          <a:p>
+            <a:r>
+              <a:rPr lang="en" altLang="ko-Kore-KR" dirty="0">
+                <a:solidFill>
+                  <a:srgbClr val="0000FF"/>
+                </a:solidFill>
+                <a:latin typeface="DM Mono" panose="020B0509040201040103" pitchFamily="49" charset="0"/>
+              </a:rPr>
+              <a:t>int</a:t>
+            </a:r>
+            <a:r>
+              <a:rPr lang="en" altLang="ko-Kore-KR" dirty="0">
+                <a:solidFill>
+                  <a:srgbClr val="000000"/>
+                </a:solidFill>
+                <a:latin typeface="DM Mono" panose="020B0509040201040103" pitchFamily="49" charset="0"/>
+              </a:rPr>
+              <a:t> </a:t>
+            </a:r>
+            <a:r>
+              <a:rPr lang="en" altLang="ko-Kore-KR" dirty="0">
+                <a:solidFill>
+                  <a:srgbClr val="001080"/>
+                </a:solidFill>
+                <a:latin typeface="DM Mono" panose="020B0509040201040103" pitchFamily="49" charset="0"/>
+              </a:rPr>
+              <a:t>b</a:t>
+            </a:r>
+            <a:r>
+              <a:rPr lang="en" altLang="ko-Kore-KR" dirty="0">
+                <a:solidFill>
+                  <a:srgbClr val="000000"/>
+                </a:solidFill>
+                <a:latin typeface="DM Mono" panose="020B0509040201040103" pitchFamily="49" charset="0"/>
+              </a:rPr>
+              <a:t> = </a:t>
+            </a:r>
+            <a:r>
+              <a:rPr lang="en" altLang="ko-Kore-KR" dirty="0">
+                <a:solidFill>
+                  <a:srgbClr val="098658"/>
+                </a:solidFill>
+                <a:latin typeface="DM Mono" panose="020B0509040201040103" pitchFamily="49" charset="0"/>
+              </a:rPr>
+              <a:t>20</a:t>
+            </a:r>
+            <a:r>
+              <a:rPr lang="en" altLang="ko-Kore-KR" dirty="0">
+                <a:solidFill>
+                  <a:srgbClr val="000000"/>
+                </a:solidFill>
+                <a:latin typeface="DM Mono" panose="020B0509040201040103" pitchFamily="49" charset="0"/>
+              </a:rPr>
+              <a:t>;</a:t>
+            </a:r>
+          </a:p>
+          <a:p>
+            <a:br>
+              <a:rPr lang="en" altLang="ko-Kore-KR" dirty="0">
+                <a:solidFill>
+                  <a:srgbClr val="000000"/>
+                </a:solidFill>
+                <a:latin typeface="DM Mono" panose="020B0509040201040103" pitchFamily="49" charset="0"/>
+              </a:rPr>
+            </a:br>
+            <a:r>
+              <a:rPr lang="en" altLang="ko-Kore-KR" dirty="0">
+                <a:solidFill>
+                  <a:srgbClr val="0000FF"/>
+                </a:solidFill>
+                <a:latin typeface="DM Mono" panose="020B0509040201040103" pitchFamily="49" charset="0"/>
+              </a:rPr>
+              <a:t>const</a:t>
+            </a:r>
+            <a:r>
+              <a:rPr lang="en" altLang="ko-Kore-KR" dirty="0">
+                <a:solidFill>
+                  <a:srgbClr val="000000"/>
+                </a:solidFill>
+                <a:latin typeface="DM Mono" panose="020B0509040201040103" pitchFamily="49" charset="0"/>
+              </a:rPr>
+              <a:t> </a:t>
+            </a:r>
+            <a:r>
+              <a:rPr lang="en" altLang="ko-Kore-KR" dirty="0">
+                <a:solidFill>
+                  <a:srgbClr val="0000FF"/>
+                </a:solidFill>
+                <a:latin typeface="DM Mono" panose="020B0509040201040103" pitchFamily="49" charset="0"/>
+              </a:rPr>
+              <a:t>int</a:t>
+            </a:r>
+            <a:r>
+              <a:rPr lang="en" altLang="ko-Kore-KR" dirty="0">
+                <a:solidFill>
+                  <a:srgbClr val="000000"/>
+                </a:solidFill>
+                <a:latin typeface="DM Mono" panose="020B0509040201040103" pitchFamily="49" charset="0"/>
+              </a:rPr>
+              <a:t>* </a:t>
+            </a:r>
+            <a:r>
+              <a:rPr lang="en" altLang="ko-Kore-KR" dirty="0">
+                <a:solidFill>
+                  <a:srgbClr val="001080"/>
+                </a:solidFill>
+                <a:latin typeface="DM Mono" panose="020B0509040201040103" pitchFamily="49" charset="0"/>
+              </a:rPr>
+              <a:t>pa</a:t>
+            </a:r>
+            <a:r>
+              <a:rPr lang="en" altLang="ko-Kore-KR" dirty="0">
+                <a:solidFill>
+                  <a:srgbClr val="000000"/>
+                </a:solidFill>
+                <a:latin typeface="DM Mono" panose="020B0509040201040103" pitchFamily="49" charset="0"/>
+              </a:rPr>
+              <a:t> = &amp;</a:t>
+            </a:r>
+            <a:r>
+              <a:rPr lang="en" altLang="ko-Kore-KR" dirty="0">
+                <a:solidFill>
+                  <a:srgbClr val="001080"/>
+                </a:solidFill>
+                <a:latin typeface="DM Mono" panose="020B0509040201040103" pitchFamily="49" charset="0"/>
+              </a:rPr>
+              <a:t>a</a:t>
+            </a:r>
+            <a:r>
+              <a:rPr lang="en" altLang="ko-Kore-KR" dirty="0">
+                <a:solidFill>
+                  <a:srgbClr val="000000"/>
+                </a:solidFill>
+                <a:latin typeface="DM Mono" panose="020B0509040201040103" pitchFamily="49" charset="0"/>
+              </a:rPr>
+              <a:t>;</a:t>
+            </a:r>
+          </a:p>
+          <a:p>
+            <a:endParaRPr lang="en" altLang="ko-Kore-KR" b="0" dirty="0">
+              <a:solidFill>
+                <a:srgbClr val="000000"/>
+              </a:solidFill>
+              <a:effectLst/>
+              <a:latin typeface="DM Mono" panose="020B0509040201040103" pitchFamily="49" charset="0"/>
+            </a:endParaRPr>
+          </a:p>
+          <a:p>
+            <a:r>
+              <a:rPr lang="en" altLang="ko-Kore-KR" dirty="0">
+                <a:solidFill>
+                  <a:srgbClr val="000000"/>
+                </a:solidFill>
+                <a:latin typeface="DM Mono" panose="020B0509040201040103" pitchFamily="49" charset="0"/>
+              </a:rPr>
+              <a:t>*pa = 200; // error!</a:t>
+            </a:r>
+            <a:endParaRPr lang="en" altLang="ko-Kore-KR" b="0" dirty="0">
+              <a:solidFill>
+                <a:srgbClr val="000000"/>
+              </a:solidFill>
+              <a:effectLst/>
+              <a:latin typeface="DM Mono" panose="020B0509040201040103" pitchFamily="49" charset="0"/>
+            </a:endParaRPr>
+          </a:p>
+          <a:p>
+            <a:endParaRPr lang="en" altLang="ko-Kore-KR" b="0" dirty="0">
+              <a:solidFill>
+                <a:srgbClr val="000000"/>
+              </a:solidFill>
+              <a:effectLst/>
+              <a:latin typeface="DM Mono" panose="020B0509040201040103" pitchFamily="49" charset="0"/>
+            </a:endParaRPr>
+          </a:p>
+        </p:txBody>
+      </p:sp>
+      <p:sp>
+        <p:nvSpPr>
+          <p:cNvPr id="18" name="직사각형 17">
+            <a:extLst>
+              <a:ext uri="{FF2B5EF4-FFF2-40B4-BE49-F238E27FC236}">
+                <a16:creationId xmlns:a16="http://schemas.microsoft.com/office/drawing/2014/main" id="{2366C23B-A01F-BECA-76EC-70E15757D20D}"/>
+              </a:ext>
+            </a:extLst>
+          </p:cNvPr>
+          <p:cNvSpPr/>
+          <p:nvPr/>
+        </p:nvSpPr>
+        <p:spPr>
+          <a:xfrm>
+            <a:off x="5895387" y="657420"/>
+            <a:ext cx="943563" cy="637980"/>
+          </a:xfrm>
+          <a:prstGeom prst="rect">
+            <a:avLst/>
+          </a:prstGeom>
+          <a:solidFill>
+            <a:srgbClr val="FFFF00"/>
+          </a:solidFill>
+        </p:spPr>
+        <p:style>
+          <a:lnRef idx="2">
+            <a:schemeClr val="accent1">
+              <a:shade val="50000"/>
+            </a:schemeClr>
+          </a:lnRef>
+          <a:fillRef idx="1">
+            <a:schemeClr val="accent1"/>
+          </a:fillRef>
+          <a:effectRef idx="0">
+            <a:schemeClr val="accent1"/>
+          </a:effectRef>
+          <a:fontRef idx="minor">
+            <a:schemeClr val="lt1"/>
+          </a:fontRef>
+        </p:style>
+        <p:txBody>
+          <a:bodyPr rtlCol="0" anchor="ctr"/>
+          <a:lstStyle/>
+          <a:p>
+            <a:pPr algn="ctr"/>
+            <a:r>
+              <a:rPr kumimoji="1" lang="en-US" altLang="ko-Kore-KR" sz="2000" dirty="0">
+                <a:solidFill>
+                  <a:schemeClr val="tx1"/>
+                </a:solidFill>
+              </a:rPr>
+              <a:t>10</a:t>
+            </a:r>
+            <a:endParaRPr kumimoji="1" lang="ko-Kore-KR" altLang="en-US" sz="2000" dirty="0">
+              <a:solidFill>
+                <a:schemeClr val="tx1"/>
+              </a:solidFill>
+            </a:endParaRPr>
+          </a:p>
+        </p:txBody>
+      </p:sp>
+      <p:sp>
+        <p:nvSpPr>
+          <p:cNvPr id="19" name="직사각형 18">
+            <a:extLst>
+              <a:ext uri="{FF2B5EF4-FFF2-40B4-BE49-F238E27FC236}">
+                <a16:creationId xmlns:a16="http://schemas.microsoft.com/office/drawing/2014/main" id="{EB29E775-BAF2-8FB0-B73E-96306AE9BB93}"/>
+              </a:ext>
+            </a:extLst>
+          </p:cNvPr>
+          <p:cNvSpPr/>
+          <p:nvPr/>
+        </p:nvSpPr>
+        <p:spPr>
+          <a:xfrm>
+            <a:off x="5463500" y="791744"/>
+            <a:ext cx="346162" cy="369332"/>
+          </a:xfrm>
+          <a:prstGeom prst="rect">
+            <a:avLst/>
+          </a:prstGeom>
+        </p:spPr>
+        <p:txBody>
+          <a:bodyPr wrap="square">
+            <a:spAutoFit/>
+          </a:bodyPr>
+          <a:lstStyle/>
+          <a:p>
+            <a:r>
+              <a:rPr lang="en" altLang="ko-Kore-KR" dirty="0">
+                <a:solidFill>
+                  <a:srgbClr val="001080"/>
+                </a:solidFill>
+                <a:latin typeface="DM Mono" panose="020B0509040201040103" pitchFamily="49" charset="0"/>
+              </a:rPr>
+              <a:t>a</a:t>
+            </a:r>
+            <a:endParaRPr lang="ko-Kore-KR" altLang="en-US" dirty="0"/>
+          </a:p>
+        </p:txBody>
+      </p:sp>
+      <p:sp>
+        <p:nvSpPr>
+          <p:cNvPr id="20" name="직사각형 19">
+            <a:extLst>
+              <a:ext uri="{FF2B5EF4-FFF2-40B4-BE49-F238E27FC236}">
+                <a16:creationId xmlns:a16="http://schemas.microsoft.com/office/drawing/2014/main" id="{24007B8B-F907-29B3-5B10-7E6E54D11686}"/>
+              </a:ext>
+            </a:extLst>
+          </p:cNvPr>
+          <p:cNvSpPr/>
+          <p:nvPr/>
+        </p:nvSpPr>
+        <p:spPr>
+          <a:xfrm>
+            <a:off x="5895387" y="1769552"/>
+            <a:ext cx="943563" cy="637980"/>
+          </a:xfrm>
+          <a:prstGeom prst="rect">
+            <a:avLst/>
+          </a:prstGeom>
+          <a:solidFill>
+            <a:srgbClr val="FFFF00"/>
+          </a:solidFill>
+        </p:spPr>
+        <p:style>
+          <a:lnRef idx="2">
+            <a:schemeClr val="accent1">
+              <a:shade val="50000"/>
+            </a:schemeClr>
+          </a:lnRef>
+          <a:fillRef idx="1">
+            <a:schemeClr val="accent1"/>
+          </a:fillRef>
+          <a:effectRef idx="0">
+            <a:schemeClr val="accent1"/>
+          </a:effectRef>
+          <a:fontRef idx="minor">
+            <a:schemeClr val="lt1"/>
+          </a:fontRef>
+        </p:style>
+        <p:txBody>
+          <a:bodyPr rtlCol="0" anchor="ctr"/>
+          <a:lstStyle/>
+          <a:p>
+            <a:pPr algn="ctr"/>
+            <a:r>
+              <a:rPr kumimoji="1" lang="en-US" altLang="ko-Kore-KR" sz="2000" dirty="0">
+                <a:solidFill>
+                  <a:schemeClr val="tx1"/>
+                </a:solidFill>
+              </a:rPr>
+              <a:t>20</a:t>
+            </a:r>
+            <a:endParaRPr kumimoji="1" lang="ko-Kore-KR" altLang="en-US" sz="2000" dirty="0">
+              <a:solidFill>
+                <a:schemeClr val="tx1"/>
+              </a:solidFill>
+            </a:endParaRPr>
+          </a:p>
+        </p:txBody>
+      </p:sp>
+      <p:sp>
+        <p:nvSpPr>
+          <p:cNvPr id="21" name="직사각형 20">
+            <a:extLst>
+              <a:ext uri="{FF2B5EF4-FFF2-40B4-BE49-F238E27FC236}">
+                <a16:creationId xmlns:a16="http://schemas.microsoft.com/office/drawing/2014/main" id="{6D7F27D9-F8E1-FF56-B942-C66C6530A920}"/>
+              </a:ext>
+            </a:extLst>
+          </p:cNvPr>
+          <p:cNvSpPr/>
+          <p:nvPr/>
+        </p:nvSpPr>
+        <p:spPr>
+          <a:xfrm>
+            <a:off x="5463500" y="1903876"/>
+            <a:ext cx="346162" cy="369332"/>
+          </a:xfrm>
+          <a:prstGeom prst="rect">
+            <a:avLst/>
+          </a:prstGeom>
+        </p:spPr>
+        <p:txBody>
+          <a:bodyPr wrap="square">
+            <a:spAutoFit/>
+          </a:bodyPr>
+          <a:lstStyle/>
+          <a:p>
+            <a:r>
+              <a:rPr lang="en" altLang="ko-Kore-KR" dirty="0">
+                <a:solidFill>
+                  <a:srgbClr val="001080"/>
+                </a:solidFill>
+                <a:latin typeface="DM Mono" panose="020B0509040201040103" pitchFamily="49" charset="0"/>
+              </a:rPr>
+              <a:t>b</a:t>
+            </a:r>
+            <a:endParaRPr lang="ko-Kore-KR" altLang="en-US" dirty="0"/>
+          </a:p>
+        </p:txBody>
+      </p:sp>
+      <p:sp>
+        <p:nvSpPr>
+          <p:cNvPr id="22" name="직사각형 21">
+            <a:extLst>
+              <a:ext uri="{FF2B5EF4-FFF2-40B4-BE49-F238E27FC236}">
+                <a16:creationId xmlns:a16="http://schemas.microsoft.com/office/drawing/2014/main" id="{426CFF6C-30D9-8ED7-D717-E900452A7BB7}"/>
+              </a:ext>
+            </a:extLst>
+          </p:cNvPr>
+          <p:cNvSpPr/>
+          <p:nvPr/>
+        </p:nvSpPr>
+        <p:spPr>
+          <a:xfrm>
+            <a:off x="3256962" y="3110010"/>
+            <a:ext cx="943563" cy="637980"/>
+          </a:xfrm>
+          <a:prstGeom prst="rect">
+            <a:avLst/>
+          </a:prstGeom>
+          <a:solidFill>
+            <a:srgbClr val="FFFF00"/>
+          </a:solidFill>
+        </p:spPr>
+        <p:style>
+          <a:lnRef idx="2">
+            <a:schemeClr val="accent1">
+              <a:shade val="50000"/>
+            </a:schemeClr>
+          </a:lnRef>
+          <a:fillRef idx="1">
+            <a:schemeClr val="accent1"/>
+          </a:fillRef>
+          <a:effectRef idx="0">
+            <a:schemeClr val="accent1"/>
+          </a:effectRef>
+          <a:fontRef idx="minor">
+            <a:schemeClr val="lt1"/>
+          </a:fontRef>
+        </p:style>
+        <p:txBody>
+          <a:bodyPr rtlCol="0" anchor="ctr"/>
+          <a:lstStyle/>
+          <a:p>
+            <a:pPr algn="ctr"/>
+            <a:r>
+              <a:rPr kumimoji="1" lang="en-US" altLang="ko-Kore-KR" sz="2000" dirty="0">
+                <a:solidFill>
+                  <a:schemeClr val="tx1"/>
+                </a:solidFill>
+              </a:rPr>
+              <a:t>100</a:t>
+            </a:r>
+            <a:endParaRPr kumimoji="1" lang="ko-Kore-KR" altLang="en-US" sz="2000" dirty="0">
+              <a:solidFill>
+                <a:schemeClr val="tx1"/>
+              </a:solidFill>
+            </a:endParaRPr>
+          </a:p>
+        </p:txBody>
+      </p:sp>
+      <p:sp>
+        <p:nvSpPr>
+          <p:cNvPr id="24" name="직사각형 23">
+            <a:extLst>
+              <a:ext uri="{FF2B5EF4-FFF2-40B4-BE49-F238E27FC236}">
+                <a16:creationId xmlns:a16="http://schemas.microsoft.com/office/drawing/2014/main" id="{B38459C6-52F1-6A28-C87E-A187F3E97EBC}"/>
+              </a:ext>
+            </a:extLst>
+          </p:cNvPr>
+          <p:cNvSpPr/>
+          <p:nvPr/>
+        </p:nvSpPr>
+        <p:spPr>
+          <a:xfrm>
+            <a:off x="2667000" y="3244334"/>
+            <a:ext cx="589962" cy="369332"/>
+          </a:xfrm>
+          <a:prstGeom prst="rect">
+            <a:avLst/>
+          </a:prstGeom>
+        </p:spPr>
+        <p:txBody>
+          <a:bodyPr wrap="square">
+            <a:spAutoFit/>
+          </a:bodyPr>
+          <a:lstStyle/>
+          <a:p>
+            <a:r>
+              <a:rPr lang="en" altLang="ko-Kore-KR" dirty="0">
+                <a:solidFill>
+                  <a:srgbClr val="001080"/>
+                </a:solidFill>
+                <a:latin typeface="DM Mono" panose="020B0509040201040103" pitchFamily="49" charset="0"/>
+              </a:rPr>
+              <a:t>pa</a:t>
+            </a:r>
+            <a:endParaRPr lang="ko-Kore-KR" altLang="en-US" dirty="0"/>
+          </a:p>
+        </p:txBody>
+      </p:sp>
+      <p:sp>
+        <p:nvSpPr>
+          <p:cNvPr id="9" name="직사각형 8">
+            <a:extLst>
+              <a:ext uri="{FF2B5EF4-FFF2-40B4-BE49-F238E27FC236}">
+                <a16:creationId xmlns:a16="http://schemas.microsoft.com/office/drawing/2014/main" id="{69F57770-1234-A91A-679B-7B9DAC7E4C4E}"/>
+              </a:ext>
+            </a:extLst>
+          </p:cNvPr>
+          <p:cNvSpPr/>
+          <p:nvPr/>
+        </p:nvSpPr>
+        <p:spPr>
+          <a:xfrm>
+            <a:off x="5463500" y="304711"/>
+            <a:ext cx="535724" cy="369332"/>
+          </a:xfrm>
+          <a:prstGeom prst="rect">
+            <a:avLst/>
+          </a:prstGeom>
+        </p:spPr>
+        <p:txBody>
+          <a:bodyPr wrap="none">
+            <a:spAutoFit/>
+          </a:bodyPr>
+          <a:lstStyle/>
+          <a:p>
+            <a:r>
+              <a:rPr kumimoji="1" lang="en-US" altLang="ko-Kore-KR" dirty="0"/>
+              <a:t>100</a:t>
+            </a:r>
+            <a:endParaRPr lang="ko-Kore-KR" altLang="en-US" dirty="0"/>
+          </a:p>
+        </p:txBody>
+      </p:sp>
+      <p:sp>
+        <p:nvSpPr>
+          <p:cNvPr id="32" name="직사각형 31">
+            <a:extLst>
+              <a:ext uri="{FF2B5EF4-FFF2-40B4-BE49-F238E27FC236}">
+                <a16:creationId xmlns:a16="http://schemas.microsoft.com/office/drawing/2014/main" id="{6963E84F-42AA-A813-D047-CA02979B6EDE}"/>
+              </a:ext>
+            </a:extLst>
+          </p:cNvPr>
+          <p:cNvSpPr/>
+          <p:nvPr/>
+        </p:nvSpPr>
+        <p:spPr>
+          <a:xfrm>
+            <a:off x="5438631" y="1505040"/>
+            <a:ext cx="535724" cy="369332"/>
+          </a:xfrm>
+          <a:prstGeom prst="rect">
+            <a:avLst/>
+          </a:prstGeom>
+        </p:spPr>
+        <p:txBody>
+          <a:bodyPr wrap="none">
+            <a:spAutoFit/>
+          </a:bodyPr>
+          <a:lstStyle/>
+          <a:p>
+            <a:r>
+              <a:rPr kumimoji="1" lang="en-US" altLang="ko-Kore-KR" dirty="0"/>
+              <a:t>200</a:t>
+            </a:r>
+            <a:endParaRPr lang="ko-Kore-KR" altLang="en-US" dirty="0"/>
+          </a:p>
+        </p:txBody>
+      </p:sp>
+      <p:cxnSp>
+        <p:nvCxnSpPr>
+          <p:cNvPr id="11" name="구부러진 연결선[U] 10">
+            <a:extLst>
+              <a:ext uri="{FF2B5EF4-FFF2-40B4-BE49-F238E27FC236}">
+                <a16:creationId xmlns:a16="http://schemas.microsoft.com/office/drawing/2014/main" id="{B74E2132-EDB8-29E2-DD0F-3C889E79AC6C}"/>
+              </a:ext>
+            </a:extLst>
+          </p:cNvPr>
+          <p:cNvCxnSpPr>
+            <a:stCxn id="22" idx="0"/>
+            <a:endCxn id="18" idx="1"/>
+          </p:cNvCxnSpPr>
+          <p:nvPr/>
+        </p:nvCxnSpPr>
+        <p:spPr>
+          <a:xfrm rot="5400000" flipH="1" flipV="1">
+            <a:off x="3745265" y="959889"/>
+            <a:ext cx="2133600" cy="2166643"/>
+          </a:xfrm>
+          <a:prstGeom prst="curvedConnector2">
+            <a:avLst/>
+          </a:prstGeom>
+          <a:ln>
+            <a:tailEnd type="triangle"/>
+          </a:ln>
+        </p:spPr>
+        <p:style>
+          <a:lnRef idx="1">
+            <a:schemeClr val="accent1"/>
+          </a:lnRef>
+          <a:fillRef idx="0">
+            <a:schemeClr val="accent1"/>
+          </a:fillRef>
+          <a:effectRef idx="0">
+            <a:schemeClr val="accent1"/>
+          </a:effectRef>
+          <a:fontRef idx="minor">
+            <a:schemeClr val="tx1"/>
+          </a:fontRef>
+        </p:style>
+      </p:cxnSp>
+    </p:spTree>
+    <p:extLst>
+      <p:ext uri="{BB962C8B-B14F-4D97-AF65-F5344CB8AC3E}">
+        <p14:creationId xmlns:p14="http://schemas.microsoft.com/office/powerpoint/2010/main" val="3426558433"/>
       </p:ext>
     </p:extLst>
   </p:cSld>

--- a/220512.pptx
+++ b/220512.pptx
@@ -24,6 +24,8 @@
     <p:sldId id="272" r:id="rId18"/>
     <p:sldId id="273" r:id="rId19"/>
     <p:sldId id="274" r:id="rId20"/>
+    <p:sldId id="275" r:id="rId21"/>
+    <p:sldId id="276" r:id="rId22"/>
   </p:sldIdLst>
   <p:sldSz cx="12192000" cy="6858000"/>
   <p:notesSz cx="6858000" cy="9144000"/>
@@ -16787,7 +16789,7 @@
                 </a:solidFill>
                 <a:latin typeface="DM Mono" panose="020B0509040201040103" pitchFamily="49" charset="0"/>
               </a:rPr>
-              <a:t>char</a:t>
+              <a:t>const char</a:t>
             </a:r>
             <a:r>
               <a:rPr lang="en" altLang="ko-Kore-KR" dirty="0">
@@ -17465,6 +17467,9 @@
                 <a:solidFill>
                   <a:srgbClr val="A31515"/>
                 </a:solidFill>
+                <a:highlight>
+                  <a:srgbClr val="FFFF00"/>
+                </a:highlight>
                 <a:latin typeface="DM Mono" panose="020B0509040201040103" pitchFamily="49" charset="0"/>
               </a:rPr>
               <a:t>"hello"</a:t>
@@ -17474,11 +17479,18 @@
                 <a:solidFill>
                   <a:srgbClr val="000000"/>
                 </a:solidFill>
+                <a:highlight>
+                  <a:srgbClr val="FFFF00"/>
+                </a:highlight>
                 <a:latin typeface="DM Mono" panose="020B0509040201040103" pitchFamily="49" charset="0"/>
               </a:rPr>
               <a:t>;</a:t>
             </a:r>
-            <a:endParaRPr lang="ko-Kore-KR" altLang="en-US" dirty="0"/>
+            <a:endParaRPr lang="ko-Kore-KR" altLang="en-US" dirty="0">
+              <a:highlight>
+                <a:srgbClr val="FFFF00"/>
+              </a:highlight>
+            </a:endParaRPr>
           </a:p>
         </p:txBody>
       </p:sp>
@@ -17570,7 +17582,7 @@
         <p:spPr>
           <a:xfrm>
             <a:off x="657225" y="304711"/>
-            <a:ext cx="6096000" cy="2031325"/>
+            <a:ext cx="6096000" cy="1754326"/>
           </a:xfrm>
           <a:prstGeom prst="rect">
             <a:avLst/>
@@ -17774,8 +17786,6 @@
               </a:rPr>
               <a:t>;</a:t>
             </a:r>
-          </a:p>
-          <a:p>
             <a:endParaRPr lang="en" altLang="ko-Kore-KR" b="0" dirty="0">
               <a:solidFill>
                 <a:srgbClr val="000000"/>
@@ -17834,7 +17844,7 @@
             <a:avLst/>
           </a:prstGeom>
           <a:solidFill>
-            <a:srgbClr val="FFFF00"/>
+            <a:schemeClr val="accent2"/>
           </a:solidFill>
         </p:spPr>
         <p:style>
@@ -19879,6 +19889,1775 @@
     <p:extLst>
       <p:ext uri="{BB962C8B-B14F-4D97-AF65-F5344CB8AC3E}">
         <p14:creationId xmlns:p14="http://schemas.microsoft.com/office/powerpoint/2010/main" val="4011916045"/>
+      </p:ext>
+    </p:extLst>
+  </p:cSld>
+  <p:clrMapOvr>
+    <a:masterClrMapping/>
+  </p:clrMapOvr>
+</p:sld>
+</file>
+
+<file path=ppt/slides/slide20.xml><?xml version="1.0" encoding="utf-8"?>
+<p:sld xmlns:a="http://schemas.openxmlformats.org/drawingml/2006/main" xmlns:r="http://schemas.openxmlformats.org/officeDocument/2006/relationships" xmlns:p="http://schemas.openxmlformats.org/presentationml/2006/main">
+  <p:cSld>
+    <p:spTree>
+      <p:nvGrpSpPr>
+        <p:cNvPr id="1" name=""/>
+        <p:cNvGrpSpPr/>
+        <p:nvPr/>
+      </p:nvGrpSpPr>
+      <p:grpSpPr>
+        <a:xfrm>
+          <a:off x="0" y="0"/>
+          <a:ext cx="0" cy="0"/>
+          <a:chOff x="0" y="0"/>
+          <a:chExt cx="0" cy="0"/>
+        </a:xfrm>
+      </p:grpSpPr>
+      <p:sp>
+        <p:nvSpPr>
+          <p:cNvPr id="7" name="직사각형 6">
+            <a:extLst>
+              <a:ext uri="{FF2B5EF4-FFF2-40B4-BE49-F238E27FC236}">
+                <a16:creationId xmlns:a16="http://schemas.microsoft.com/office/drawing/2014/main" id="{0799A604-5447-F859-9D53-65E1F6B3922F}"/>
+              </a:ext>
+            </a:extLst>
+          </p:cNvPr>
+          <p:cNvSpPr/>
+          <p:nvPr/>
+        </p:nvSpPr>
+        <p:spPr>
+          <a:xfrm>
+            <a:off x="657225" y="304711"/>
+            <a:ext cx="6096000" cy="1754326"/>
+          </a:xfrm>
+          <a:prstGeom prst="rect">
+            <a:avLst/>
+          </a:prstGeom>
+        </p:spPr>
+        <p:txBody>
+          <a:bodyPr>
+            <a:spAutoFit/>
+          </a:bodyPr>
+          <a:lstStyle/>
+          <a:p>
+            <a:r>
+              <a:rPr lang="en" altLang="ko-Kore-KR" dirty="0">
+                <a:solidFill>
+                  <a:srgbClr val="0000FF"/>
+                </a:solidFill>
+                <a:latin typeface="DM Mono" panose="020B0509040201040103" pitchFamily="49" charset="0"/>
+              </a:rPr>
+              <a:t>int</a:t>
+            </a:r>
+            <a:r>
+              <a:rPr lang="en" altLang="ko-Kore-KR" dirty="0">
+                <a:solidFill>
+                  <a:srgbClr val="000000"/>
+                </a:solidFill>
+                <a:latin typeface="DM Mono" panose="020B0509040201040103" pitchFamily="49" charset="0"/>
+              </a:rPr>
+              <a:t> </a:t>
+            </a:r>
+            <a:r>
+              <a:rPr lang="en" altLang="ko-Kore-KR" dirty="0">
+                <a:solidFill>
+                  <a:srgbClr val="001080"/>
+                </a:solidFill>
+                <a:latin typeface="DM Mono" panose="020B0509040201040103" pitchFamily="49" charset="0"/>
+              </a:rPr>
+              <a:t>a</a:t>
+            </a:r>
+            <a:r>
+              <a:rPr lang="en" altLang="ko-Kore-KR" dirty="0">
+                <a:solidFill>
+                  <a:srgbClr val="000000"/>
+                </a:solidFill>
+                <a:latin typeface="DM Mono" panose="020B0509040201040103" pitchFamily="49" charset="0"/>
+              </a:rPr>
+              <a:t> = </a:t>
+            </a:r>
+            <a:r>
+              <a:rPr lang="en" altLang="ko-Kore-KR" dirty="0">
+                <a:solidFill>
+                  <a:srgbClr val="098658"/>
+                </a:solidFill>
+                <a:latin typeface="DM Mono" panose="020B0509040201040103" pitchFamily="49" charset="0"/>
+              </a:rPr>
+              <a:t>10</a:t>
+            </a:r>
+            <a:r>
+              <a:rPr lang="en" altLang="ko-Kore-KR" dirty="0">
+                <a:solidFill>
+                  <a:srgbClr val="000000"/>
+                </a:solidFill>
+                <a:latin typeface="DM Mono" panose="020B0509040201040103" pitchFamily="49" charset="0"/>
+              </a:rPr>
+              <a:t>;</a:t>
+            </a:r>
+          </a:p>
+          <a:p>
+            <a:r>
+              <a:rPr lang="en" altLang="ko-Kore-KR" dirty="0">
+                <a:solidFill>
+                  <a:srgbClr val="0000FF"/>
+                </a:solidFill>
+                <a:latin typeface="DM Mono" panose="020B0509040201040103" pitchFamily="49" charset="0"/>
+              </a:rPr>
+              <a:t>int</a:t>
+            </a:r>
+            <a:r>
+              <a:rPr lang="en" altLang="ko-Kore-KR" dirty="0">
+                <a:solidFill>
+                  <a:srgbClr val="000000"/>
+                </a:solidFill>
+                <a:latin typeface="DM Mono" panose="020B0509040201040103" pitchFamily="49" charset="0"/>
+              </a:rPr>
+              <a:t> </a:t>
+            </a:r>
+            <a:r>
+              <a:rPr lang="en" altLang="ko-Kore-KR" dirty="0">
+                <a:solidFill>
+                  <a:srgbClr val="001080"/>
+                </a:solidFill>
+                <a:latin typeface="DM Mono" panose="020B0509040201040103" pitchFamily="49" charset="0"/>
+              </a:rPr>
+              <a:t>b</a:t>
+            </a:r>
+            <a:r>
+              <a:rPr lang="en" altLang="ko-Kore-KR" dirty="0">
+                <a:solidFill>
+                  <a:srgbClr val="000000"/>
+                </a:solidFill>
+                <a:latin typeface="DM Mono" panose="020B0509040201040103" pitchFamily="49" charset="0"/>
+              </a:rPr>
+              <a:t> = </a:t>
+            </a:r>
+            <a:r>
+              <a:rPr lang="en" altLang="ko-Kore-KR" dirty="0">
+                <a:solidFill>
+                  <a:srgbClr val="098658"/>
+                </a:solidFill>
+                <a:latin typeface="DM Mono" panose="020B0509040201040103" pitchFamily="49" charset="0"/>
+              </a:rPr>
+              <a:t>20</a:t>
+            </a:r>
+            <a:r>
+              <a:rPr lang="en" altLang="ko-Kore-KR" dirty="0">
+                <a:solidFill>
+                  <a:srgbClr val="000000"/>
+                </a:solidFill>
+                <a:latin typeface="DM Mono" panose="020B0509040201040103" pitchFamily="49" charset="0"/>
+              </a:rPr>
+              <a:t>;</a:t>
+            </a:r>
+          </a:p>
+          <a:p>
+            <a:endParaRPr lang="en" altLang="ko-Kore-KR" dirty="0">
+              <a:solidFill>
+                <a:srgbClr val="000000"/>
+              </a:solidFill>
+              <a:latin typeface="DM Mono" panose="020B0509040201040103" pitchFamily="49" charset="0"/>
+            </a:endParaRPr>
+          </a:p>
+          <a:p>
+            <a:r>
+              <a:rPr lang="en" altLang="ko-Kore-KR" dirty="0">
+                <a:solidFill>
+                  <a:srgbClr val="0000FF"/>
+                </a:solidFill>
+                <a:latin typeface="DM Mono" panose="020B0509040201040103" pitchFamily="49" charset="0"/>
+              </a:rPr>
+              <a:t>int</a:t>
+            </a:r>
+            <a:r>
+              <a:rPr lang="en" altLang="ko-Kore-KR" dirty="0">
+                <a:solidFill>
+                  <a:srgbClr val="000000"/>
+                </a:solidFill>
+                <a:latin typeface="DM Mono" panose="020B0509040201040103" pitchFamily="49" charset="0"/>
+              </a:rPr>
+              <a:t>* </a:t>
+            </a:r>
+            <a:r>
+              <a:rPr lang="en" altLang="ko-Kore-KR" dirty="0">
+                <a:solidFill>
+                  <a:srgbClr val="0000FF"/>
+                </a:solidFill>
+                <a:latin typeface="DM Mono" panose="020B0509040201040103" pitchFamily="49" charset="0"/>
+              </a:rPr>
+              <a:t>const</a:t>
+            </a:r>
+            <a:r>
+              <a:rPr lang="en" altLang="ko-Kore-KR" dirty="0">
+                <a:solidFill>
+                  <a:srgbClr val="000000"/>
+                </a:solidFill>
+                <a:latin typeface="DM Mono" panose="020B0509040201040103" pitchFamily="49" charset="0"/>
+              </a:rPr>
+              <a:t> pa = &amp;a;</a:t>
+            </a:r>
+          </a:p>
+          <a:p>
+            <a:r>
+              <a:rPr lang="en" altLang="ko-Kore-KR" dirty="0">
+                <a:solidFill>
+                  <a:srgbClr val="000000"/>
+                </a:solidFill>
+                <a:latin typeface="DM Mono" panose="020B0509040201040103" pitchFamily="49" charset="0"/>
+              </a:rPr>
+              <a:t>*pa = </a:t>
+            </a:r>
+            <a:r>
+              <a:rPr lang="en" altLang="ko-Kore-KR" dirty="0">
+                <a:solidFill>
+                  <a:srgbClr val="098658"/>
+                </a:solidFill>
+                <a:latin typeface="DM Mono" panose="020B0509040201040103" pitchFamily="49" charset="0"/>
+              </a:rPr>
+              <a:t>200</a:t>
+            </a:r>
+            <a:r>
+              <a:rPr lang="en" altLang="ko-Kore-KR" dirty="0">
+                <a:solidFill>
+                  <a:srgbClr val="000000"/>
+                </a:solidFill>
+                <a:latin typeface="DM Mono" panose="020B0509040201040103" pitchFamily="49" charset="0"/>
+              </a:rPr>
+              <a:t>; </a:t>
+            </a:r>
+            <a:r>
+              <a:rPr lang="en" altLang="ko-Kore-KR" dirty="0">
+                <a:solidFill>
+                  <a:srgbClr val="008000"/>
+                </a:solidFill>
+                <a:latin typeface="DM Mono" panose="020B0509040201040103" pitchFamily="49" charset="0"/>
+              </a:rPr>
+              <a:t>// ok!</a:t>
+            </a:r>
+            <a:endParaRPr lang="en" altLang="ko-Kore-KR" dirty="0">
+              <a:solidFill>
+                <a:srgbClr val="000000"/>
+              </a:solidFill>
+              <a:latin typeface="DM Mono" panose="020B0509040201040103" pitchFamily="49" charset="0"/>
+            </a:endParaRPr>
+          </a:p>
+          <a:p>
+            <a:r>
+              <a:rPr lang="en" altLang="ko-Kore-KR" dirty="0">
+                <a:solidFill>
+                  <a:srgbClr val="000000"/>
+                </a:solidFill>
+                <a:latin typeface="DM Mono" panose="020B0509040201040103" pitchFamily="49" charset="0"/>
+              </a:rPr>
+              <a:t>pa = &amp;b; </a:t>
+            </a:r>
+            <a:r>
+              <a:rPr lang="en" altLang="ko-Kore-KR" dirty="0">
+                <a:solidFill>
+                  <a:srgbClr val="008000"/>
+                </a:solidFill>
+                <a:latin typeface="DM Mono" panose="020B0509040201040103" pitchFamily="49" charset="0"/>
+              </a:rPr>
+              <a:t>// error!</a:t>
+            </a:r>
+            <a:endParaRPr lang="en" altLang="ko-Kore-KR" dirty="0">
+              <a:solidFill>
+                <a:srgbClr val="000000"/>
+              </a:solidFill>
+              <a:latin typeface="DM Mono" panose="020B0509040201040103" pitchFamily="49" charset="0"/>
+            </a:endParaRPr>
+          </a:p>
+        </p:txBody>
+      </p:sp>
+      <p:sp>
+        <p:nvSpPr>
+          <p:cNvPr id="18" name="직사각형 17">
+            <a:extLst>
+              <a:ext uri="{FF2B5EF4-FFF2-40B4-BE49-F238E27FC236}">
+                <a16:creationId xmlns:a16="http://schemas.microsoft.com/office/drawing/2014/main" id="{2366C23B-A01F-BECA-76EC-70E15757D20D}"/>
+              </a:ext>
+            </a:extLst>
+          </p:cNvPr>
+          <p:cNvSpPr/>
+          <p:nvPr/>
+        </p:nvSpPr>
+        <p:spPr>
+          <a:xfrm>
+            <a:off x="5895387" y="657420"/>
+            <a:ext cx="943563" cy="637980"/>
+          </a:xfrm>
+          <a:prstGeom prst="rect">
+            <a:avLst/>
+          </a:prstGeom>
+          <a:solidFill>
+            <a:srgbClr val="FFFF00"/>
+          </a:solidFill>
+        </p:spPr>
+        <p:style>
+          <a:lnRef idx="2">
+            <a:schemeClr val="accent1">
+              <a:shade val="50000"/>
+            </a:schemeClr>
+          </a:lnRef>
+          <a:fillRef idx="1">
+            <a:schemeClr val="accent1"/>
+          </a:fillRef>
+          <a:effectRef idx="0">
+            <a:schemeClr val="accent1"/>
+          </a:effectRef>
+          <a:fontRef idx="minor">
+            <a:schemeClr val="lt1"/>
+          </a:fontRef>
+        </p:style>
+        <p:txBody>
+          <a:bodyPr rtlCol="0" anchor="ctr"/>
+          <a:lstStyle/>
+          <a:p>
+            <a:pPr algn="ctr"/>
+            <a:r>
+              <a:rPr kumimoji="1" lang="en-US" altLang="ko-Kore-KR" sz="2000" b="1" dirty="0">
+                <a:solidFill>
+                  <a:schemeClr val="tx1"/>
+                </a:solidFill>
+              </a:rPr>
+              <a:t>200</a:t>
+            </a:r>
+            <a:endParaRPr kumimoji="1" lang="ko-Kore-KR" altLang="en-US" sz="2000" b="1" dirty="0">
+              <a:solidFill>
+                <a:schemeClr val="tx1"/>
+              </a:solidFill>
+            </a:endParaRPr>
+          </a:p>
+        </p:txBody>
+      </p:sp>
+      <p:sp>
+        <p:nvSpPr>
+          <p:cNvPr id="19" name="직사각형 18">
+            <a:extLst>
+              <a:ext uri="{FF2B5EF4-FFF2-40B4-BE49-F238E27FC236}">
+                <a16:creationId xmlns:a16="http://schemas.microsoft.com/office/drawing/2014/main" id="{EB29E775-BAF2-8FB0-B73E-96306AE9BB93}"/>
+              </a:ext>
+            </a:extLst>
+          </p:cNvPr>
+          <p:cNvSpPr/>
+          <p:nvPr/>
+        </p:nvSpPr>
+        <p:spPr>
+          <a:xfrm>
+            <a:off x="5463500" y="791744"/>
+            <a:ext cx="346162" cy="369332"/>
+          </a:xfrm>
+          <a:prstGeom prst="rect">
+            <a:avLst/>
+          </a:prstGeom>
+        </p:spPr>
+        <p:txBody>
+          <a:bodyPr wrap="square">
+            <a:spAutoFit/>
+          </a:bodyPr>
+          <a:lstStyle/>
+          <a:p>
+            <a:r>
+              <a:rPr lang="en" altLang="ko-Kore-KR" dirty="0">
+                <a:solidFill>
+                  <a:srgbClr val="001080"/>
+                </a:solidFill>
+                <a:latin typeface="DM Mono" panose="020B0509040201040103" pitchFamily="49" charset="0"/>
+              </a:rPr>
+              <a:t>a</a:t>
+            </a:r>
+            <a:endParaRPr lang="ko-Kore-KR" altLang="en-US" dirty="0"/>
+          </a:p>
+        </p:txBody>
+      </p:sp>
+      <p:sp>
+        <p:nvSpPr>
+          <p:cNvPr id="20" name="직사각형 19">
+            <a:extLst>
+              <a:ext uri="{FF2B5EF4-FFF2-40B4-BE49-F238E27FC236}">
+                <a16:creationId xmlns:a16="http://schemas.microsoft.com/office/drawing/2014/main" id="{24007B8B-F907-29B3-5B10-7E6E54D11686}"/>
+              </a:ext>
+            </a:extLst>
+          </p:cNvPr>
+          <p:cNvSpPr/>
+          <p:nvPr/>
+        </p:nvSpPr>
+        <p:spPr>
+          <a:xfrm>
+            <a:off x="5895387" y="1769552"/>
+            <a:ext cx="943563" cy="637980"/>
+          </a:xfrm>
+          <a:prstGeom prst="rect">
+            <a:avLst/>
+          </a:prstGeom>
+          <a:solidFill>
+            <a:srgbClr val="FFFF00"/>
+          </a:solidFill>
+        </p:spPr>
+        <p:style>
+          <a:lnRef idx="2">
+            <a:schemeClr val="accent1">
+              <a:shade val="50000"/>
+            </a:schemeClr>
+          </a:lnRef>
+          <a:fillRef idx="1">
+            <a:schemeClr val="accent1"/>
+          </a:fillRef>
+          <a:effectRef idx="0">
+            <a:schemeClr val="accent1"/>
+          </a:effectRef>
+          <a:fontRef idx="minor">
+            <a:schemeClr val="lt1"/>
+          </a:fontRef>
+        </p:style>
+        <p:txBody>
+          <a:bodyPr rtlCol="0" anchor="ctr"/>
+          <a:lstStyle/>
+          <a:p>
+            <a:pPr algn="ctr"/>
+            <a:r>
+              <a:rPr kumimoji="1" lang="en-US" altLang="ko-Kore-KR" sz="2000" dirty="0">
+                <a:solidFill>
+                  <a:schemeClr val="tx1"/>
+                </a:solidFill>
+              </a:rPr>
+              <a:t>20</a:t>
+            </a:r>
+            <a:endParaRPr kumimoji="1" lang="ko-Kore-KR" altLang="en-US" sz="2000" dirty="0">
+              <a:solidFill>
+                <a:schemeClr val="tx1"/>
+              </a:solidFill>
+            </a:endParaRPr>
+          </a:p>
+        </p:txBody>
+      </p:sp>
+      <p:sp>
+        <p:nvSpPr>
+          <p:cNvPr id="21" name="직사각형 20">
+            <a:extLst>
+              <a:ext uri="{FF2B5EF4-FFF2-40B4-BE49-F238E27FC236}">
+                <a16:creationId xmlns:a16="http://schemas.microsoft.com/office/drawing/2014/main" id="{6D7F27D9-F8E1-FF56-B942-C66C6530A920}"/>
+              </a:ext>
+            </a:extLst>
+          </p:cNvPr>
+          <p:cNvSpPr/>
+          <p:nvPr/>
+        </p:nvSpPr>
+        <p:spPr>
+          <a:xfrm>
+            <a:off x="5463500" y="1903876"/>
+            <a:ext cx="346162" cy="369332"/>
+          </a:xfrm>
+          <a:prstGeom prst="rect">
+            <a:avLst/>
+          </a:prstGeom>
+        </p:spPr>
+        <p:txBody>
+          <a:bodyPr wrap="square">
+            <a:spAutoFit/>
+          </a:bodyPr>
+          <a:lstStyle/>
+          <a:p>
+            <a:r>
+              <a:rPr lang="en" altLang="ko-Kore-KR" dirty="0">
+                <a:solidFill>
+                  <a:srgbClr val="001080"/>
+                </a:solidFill>
+                <a:latin typeface="DM Mono" panose="020B0509040201040103" pitchFamily="49" charset="0"/>
+              </a:rPr>
+              <a:t>b</a:t>
+            </a:r>
+            <a:endParaRPr lang="ko-Kore-KR" altLang="en-US" dirty="0"/>
+          </a:p>
+        </p:txBody>
+      </p:sp>
+      <p:sp>
+        <p:nvSpPr>
+          <p:cNvPr id="22" name="직사각형 21">
+            <a:extLst>
+              <a:ext uri="{FF2B5EF4-FFF2-40B4-BE49-F238E27FC236}">
+                <a16:creationId xmlns:a16="http://schemas.microsoft.com/office/drawing/2014/main" id="{426CFF6C-30D9-8ED7-D717-E900452A7BB7}"/>
+              </a:ext>
+            </a:extLst>
+          </p:cNvPr>
+          <p:cNvSpPr/>
+          <p:nvPr/>
+        </p:nvSpPr>
+        <p:spPr>
+          <a:xfrm>
+            <a:off x="3256962" y="3110010"/>
+            <a:ext cx="943563" cy="637980"/>
+          </a:xfrm>
+          <a:prstGeom prst="rect">
+            <a:avLst/>
+          </a:prstGeom>
+          <a:solidFill>
+            <a:schemeClr val="accent2"/>
+          </a:solidFill>
+        </p:spPr>
+        <p:style>
+          <a:lnRef idx="2">
+            <a:schemeClr val="accent1">
+              <a:shade val="50000"/>
+            </a:schemeClr>
+          </a:lnRef>
+          <a:fillRef idx="1">
+            <a:schemeClr val="accent1"/>
+          </a:fillRef>
+          <a:effectRef idx="0">
+            <a:schemeClr val="accent1"/>
+          </a:effectRef>
+          <a:fontRef idx="minor">
+            <a:schemeClr val="lt1"/>
+          </a:fontRef>
+        </p:style>
+        <p:txBody>
+          <a:bodyPr rtlCol="0" anchor="ctr"/>
+          <a:lstStyle/>
+          <a:p>
+            <a:pPr algn="ctr"/>
+            <a:r>
+              <a:rPr kumimoji="1" lang="en-US" altLang="ko-Kore-KR" sz="2000" dirty="0">
+                <a:solidFill>
+                  <a:schemeClr val="tx1"/>
+                </a:solidFill>
+              </a:rPr>
+              <a:t>100</a:t>
+            </a:r>
+            <a:endParaRPr kumimoji="1" lang="ko-Kore-KR" altLang="en-US" sz="2000" dirty="0">
+              <a:solidFill>
+                <a:schemeClr val="tx1"/>
+              </a:solidFill>
+            </a:endParaRPr>
+          </a:p>
+        </p:txBody>
+      </p:sp>
+      <p:sp>
+        <p:nvSpPr>
+          <p:cNvPr id="24" name="직사각형 23">
+            <a:extLst>
+              <a:ext uri="{FF2B5EF4-FFF2-40B4-BE49-F238E27FC236}">
+                <a16:creationId xmlns:a16="http://schemas.microsoft.com/office/drawing/2014/main" id="{B38459C6-52F1-6A28-C87E-A187F3E97EBC}"/>
+              </a:ext>
+            </a:extLst>
+          </p:cNvPr>
+          <p:cNvSpPr/>
+          <p:nvPr/>
+        </p:nvSpPr>
+        <p:spPr>
+          <a:xfrm>
+            <a:off x="2667000" y="3244334"/>
+            <a:ext cx="589962" cy="369332"/>
+          </a:xfrm>
+          <a:prstGeom prst="rect">
+            <a:avLst/>
+          </a:prstGeom>
+        </p:spPr>
+        <p:txBody>
+          <a:bodyPr wrap="square">
+            <a:spAutoFit/>
+          </a:bodyPr>
+          <a:lstStyle/>
+          <a:p>
+            <a:r>
+              <a:rPr lang="en" altLang="ko-Kore-KR" dirty="0">
+                <a:solidFill>
+                  <a:srgbClr val="001080"/>
+                </a:solidFill>
+                <a:latin typeface="DM Mono" panose="020B0509040201040103" pitchFamily="49" charset="0"/>
+              </a:rPr>
+              <a:t>pa</a:t>
+            </a:r>
+            <a:endParaRPr lang="ko-Kore-KR" altLang="en-US" dirty="0"/>
+          </a:p>
+        </p:txBody>
+      </p:sp>
+      <p:sp>
+        <p:nvSpPr>
+          <p:cNvPr id="9" name="직사각형 8">
+            <a:extLst>
+              <a:ext uri="{FF2B5EF4-FFF2-40B4-BE49-F238E27FC236}">
+                <a16:creationId xmlns:a16="http://schemas.microsoft.com/office/drawing/2014/main" id="{69F57770-1234-A91A-679B-7B9DAC7E4C4E}"/>
+              </a:ext>
+            </a:extLst>
+          </p:cNvPr>
+          <p:cNvSpPr/>
+          <p:nvPr/>
+        </p:nvSpPr>
+        <p:spPr>
+          <a:xfrm>
+            <a:off x="5463500" y="304711"/>
+            <a:ext cx="535724" cy="369332"/>
+          </a:xfrm>
+          <a:prstGeom prst="rect">
+            <a:avLst/>
+          </a:prstGeom>
+        </p:spPr>
+        <p:txBody>
+          <a:bodyPr wrap="none">
+            <a:spAutoFit/>
+          </a:bodyPr>
+          <a:lstStyle/>
+          <a:p>
+            <a:r>
+              <a:rPr kumimoji="1" lang="en-US" altLang="ko-Kore-KR" dirty="0"/>
+              <a:t>100</a:t>
+            </a:r>
+            <a:endParaRPr lang="ko-Kore-KR" altLang="en-US" dirty="0"/>
+          </a:p>
+        </p:txBody>
+      </p:sp>
+      <p:sp>
+        <p:nvSpPr>
+          <p:cNvPr id="32" name="직사각형 31">
+            <a:extLst>
+              <a:ext uri="{FF2B5EF4-FFF2-40B4-BE49-F238E27FC236}">
+                <a16:creationId xmlns:a16="http://schemas.microsoft.com/office/drawing/2014/main" id="{6963E84F-42AA-A813-D047-CA02979B6EDE}"/>
+              </a:ext>
+            </a:extLst>
+          </p:cNvPr>
+          <p:cNvSpPr/>
+          <p:nvPr/>
+        </p:nvSpPr>
+        <p:spPr>
+          <a:xfrm>
+            <a:off x="5438631" y="1505040"/>
+            <a:ext cx="535724" cy="369332"/>
+          </a:xfrm>
+          <a:prstGeom prst="rect">
+            <a:avLst/>
+          </a:prstGeom>
+        </p:spPr>
+        <p:txBody>
+          <a:bodyPr wrap="none">
+            <a:spAutoFit/>
+          </a:bodyPr>
+          <a:lstStyle/>
+          <a:p>
+            <a:r>
+              <a:rPr kumimoji="1" lang="en-US" altLang="ko-Kore-KR" dirty="0"/>
+              <a:t>200</a:t>
+            </a:r>
+            <a:endParaRPr lang="ko-Kore-KR" altLang="en-US" dirty="0"/>
+          </a:p>
+        </p:txBody>
+      </p:sp>
+      <p:cxnSp>
+        <p:nvCxnSpPr>
+          <p:cNvPr id="11" name="구부러진 연결선[U] 10">
+            <a:extLst>
+              <a:ext uri="{FF2B5EF4-FFF2-40B4-BE49-F238E27FC236}">
+                <a16:creationId xmlns:a16="http://schemas.microsoft.com/office/drawing/2014/main" id="{B74E2132-EDB8-29E2-DD0F-3C889E79AC6C}"/>
+              </a:ext>
+            </a:extLst>
+          </p:cNvPr>
+          <p:cNvCxnSpPr>
+            <a:stCxn id="22" idx="0"/>
+            <a:endCxn id="18" idx="1"/>
+          </p:cNvCxnSpPr>
+          <p:nvPr/>
+        </p:nvCxnSpPr>
+        <p:spPr>
+          <a:xfrm rot="5400000" flipH="1" flipV="1">
+            <a:off x="3745265" y="959889"/>
+            <a:ext cx="2133600" cy="2166643"/>
+          </a:xfrm>
+          <a:prstGeom prst="curvedConnector2">
+            <a:avLst/>
+          </a:prstGeom>
+          <a:ln>
+            <a:tailEnd type="triangle"/>
+          </a:ln>
+        </p:spPr>
+        <p:style>
+          <a:lnRef idx="1">
+            <a:schemeClr val="accent1"/>
+          </a:lnRef>
+          <a:fillRef idx="0">
+            <a:schemeClr val="accent1"/>
+          </a:fillRef>
+          <a:effectRef idx="0">
+            <a:schemeClr val="accent1"/>
+          </a:effectRef>
+          <a:fontRef idx="minor">
+            <a:schemeClr val="tx1"/>
+          </a:fontRef>
+        </p:style>
+      </p:cxnSp>
+    </p:spTree>
+    <p:extLst>
+      <p:ext uri="{BB962C8B-B14F-4D97-AF65-F5344CB8AC3E}">
+        <p14:creationId xmlns:p14="http://schemas.microsoft.com/office/powerpoint/2010/main" val="3065518240"/>
+      </p:ext>
+    </p:extLst>
+  </p:cSld>
+  <p:clrMapOvr>
+    <a:masterClrMapping/>
+  </p:clrMapOvr>
+</p:sld>
+</file>
+
+<file path=ppt/slides/slide21.xml><?xml version="1.0" encoding="utf-8"?>
+<p:sld xmlns:a="http://schemas.openxmlformats.org/drawingml/2006/main" xmlns:r="http://schemas.openxmlformats.org/officeDocument/2006/relationships" xmlns:p="http://schemas.openxmlformats.org/presentationml/2006/main">
+  <p:cSld>
+    <p:spTree>
+      <p:nvGrpSpPr>
+        <p:cNvPr id="1" name=""/>
+        <p:cNvGrpSpPr/>
+        <p:nvPr/>
+      </p:nvGrpSpPr>
+      <p:grpSpPr>
+        <a:xfrm>
+          <a:off x="0" y="0"/>
+          <a:ext cx="0" cy="0"/>
+          <a:chOff x="0" y="0"/>
+          <a:chExt cx="0" cy="0"/>
+        </a:xfrm>
+      </p:grpSpPr>
+      <p:sp>
+        <p:nvSpPr>
+          <p:cNvPr id="4" name="직사각형 3">
+            <a:extLst>
+              <a:ext uri="{FF2B5EF4-FFF2-40B4-BE49-F238E27FC236}">
+                <a16:creationId xmlns:a16="http://schemas.microsoft.com/office/drawing/2014/main" id="{0E0F5F17-79D5-8EDF-A603-458AF725D32A}"/>
+              </a:ext>
+            </a:extLst>
+          </p:cNvPr>
+          <p:cNvSpPr/>
+          <p:nvPr/>
+        </p:nvSpPr>
+        <p:spPr>
+          <a:xfrm>
+            <a:off x="485775" y="179844"/>
+            <a:ext cx="5400675" cy="646331"/>
+          </a:xfrm>
+          <a:prstGeom prst="rect">
+            <a:avLst/>
+          </a:prstGeom>
+        </p:spPr>
+        <p:txBody>
+          <a:bodyPr wrap="square">
+            <a:spAutoFit/>
+          </a:bodyPr>
+          <a:lstStyle/>
+          <a:p>
+            <a:r>
+              <a:rPr lang="en" altLang="ko-Kore-KR" dirty="0">
+                <a:solidFill>
+                  <a:srgbClr val="0000FF"/>
+                </a:solidFill>
+                <a:latin typeface="DM Mono" panose="020B0509040201040103" pitchFamily="49" charset="0"/>
+              </a:rPr>
+              <a:t>const</a:t>
+            </a:r>
+            <a:r>
+              <a:rPr lang="en" altLang="ko-Kore-KR" dirty="0">
+                <a:solidFill>
+                  <a:srgbClr val="000000"/>
+                </a:solidFill>
+                <a:latin typeface="DM Mono" panose="020B0509040201040103" pitchFamily="49" charset="0"/>
+              </a:rPr>
+              <a:t> </a:t>
+            </a:r>
+            <a:r>
+              <a:rPr lang="en" altLang="ko-Kore-KR" dirty="0">
+                <a:solidFill>
+                  <a:srgbClr val="0000FF"/>
+                </a:solidFill>
+                <a:latin typeface="DM Mono" panose="020B0509040201040103" pitchFamily="49" charset="0"/>
+              </a:rPr>
+              <a:t>char</a:t>
+            </a:r>
+            <a:r>
+              <a:rPr lang="en" altLang="ko-Kore-KR" dirty="0">
+                <a:solidFill>
+                  <a:srgbClr val="000000"/>
+                </a:solidFill>
+                <a:latin typeface="DM Mono" panose="020B0509040201040103" pitchFamily="49" charset="0"/>
+              </a:rPr>
+              <a:t>* </a:t>
+            </a:r>
+            <a:r>
+              <a:rPr lang="en" altLang="ko-Kore-KR" dirty="0">
+                <a:solidFill>
+                  <a:srgbClr val="001080"/>
+                </a:solidFill>
+                <a:latin typeface="DM Mono" panose="020B0509040201040103" pitchFamily="49" charset="0"/>
+              </a:rPr>
+              <a:t>s1</a:t>
+            </a:r>
+            <a:r>
+              <a:rPr lang="en" altLang="ko-Kore-KR" dirty="0">
+                <a:solidFill>
+                  <a:srgbClr val="000000"/>
+                </a:solidFill>
+                <a:latin typeface="DM Mono" panose="020B0509040201040103" pitchFamily="49" charset="0"/>
+              </a:rPr>
+              <a:t> = </a:t>
+            </a:r>
+            <a:r>
+              <a:rPr lang="en" altLang="ko-Kore-KR" dirty="0">
+                <a:solidFill>
+                  <a:srgbClr val="A31515"/>
+                </a:solidFill>
+                <a:latin typeface="DM Mono" panose="020B0509040201040103" pitchFamily="49" charset="0"/>
+              </a:rPr>
+              <a:t>"hello"</a:t>
+            </a:r>
+            <a:r>
+              <a:rPr lang="en" altLang="ko-Kore-KR" dirty="0">
+                <a:solidFill>
+                  <a:srgbClr val="000000"/>
+                </a:solidFill>
+                <a:latin typeface="DM Mono" panose="020B0509040201040103" pitchFamily="49" charset="0"/>
+              </a:rPr>
+              <a:t>;</a:t>
+            </a:r>
+          </a:p>
+          <a:p>
+            <a:r>
+              <a:rPr lang="en" altLang="ko-Kore-KR" dirty="0">
+                <a:solidFill>
+                  <a:srgbClr val="0000FF"/>
+                </a:solidFill>
+                <a:latin typeface="DM Mono" panose="020B0509040201040103" pitchFamily="49" charset="0"/>
+              </a:rPr>
+              <a:t>const</a:t>
+            </a:r>
+            <a:r>
+              <a:rPr lang="en" altLang="ko-Kore-KR" dirty="0">
+                <a:solidFill>
+                  <a:srgbClr val="000000"/>
+                </a:solidFill>
+                <a:latin typeface="DM Mono" panose="020B0509040201040103" pitchFamily="49" charset="0"/>
+              </a:rPr>
+              <a:t> </a:t>
+            </a:r>
+            <a:r>
+              <a:rPr lang="en" altLang="ko-Kore-KR" dirty="0">
+                <a:solidFill>
+                  <a:srgbClr val="0000FF"/>
+                </a:solidFill>
+                <a:latin typeface="DM Mono" panose="020B0509040201040103" pitchFamily="49" charset="0"/>
+              </a:rPr>
+              <a:t>char</a:t>
+            </a:r>
+            <a:r>
+              <a:rPr lang="en" altLang="ko-Kore-KR" dirty="0">
+                <a:solidFill>
+                  <a:srgbClr val="000000"/>
+                </a:solidFill>
+                <a:latin typeface="DM Mono" panose="020B0509040201040103" pitchFamily="49" charset="0"/>
+              </a:rPr>
+              <a:t>* </a:t>
+            </a:r>
+            <a:r>
+              <a:rPr lang="en" altLang="ko-Kore-KR" dirty="0">
+                <a:solidFill>
+                  <a:srgbClr val="001080"/>
+                </a:solidFill>
+                <a:latin typeface="DM Mono" panose="020B0509040201040103" pitchFamily="49" charset="0"/>
+              </a:rPr>
+              <a:t>s2</a:t>
+            </a:r>
+            <a:r>
+              <a:rPr lang="en" altLang="ko-Kore-KR" dirty="0">
+                <a:solidFill>
+                  <a:srgbClr val="000000"/>
+                </a:solidFill>
+                <a:latin typeface="DM Mono" panose="020B0509040201040103" pitchFamily="49" charset="0"/>
+              </a:rPr>
+              <a:t> = </a:t>
+            </a:r>
+            <a:r>
+              <a:rPr lang="en" altLang="ko-Kore-KR" dirty="0">
+                <a:solidFill>
+                  <a:srgbClr val="A31515"/>
+                </a:solidFill>
+                <a:latin typeface="DM Mono" panose="020B0509040201040103" pitchFamily="49" charset="0"/>
+              </a:rPr>
+              <a:t>"hello"</a:t>
+            </a:r>
+            <a:r>
+              <a:rPr lang="en" altLang="ko-Kore-KR" dirty="0">
+                <a:solidFill>
+                  <a:srgbClr val="000000"/>
+                </a:solidFill>
+                <a:latin typeface="DM Mono" panose="020B0509040201040103" pitchFamily="49" charset="0"/>
+              </a:rPr>
+              <a:t>;</a:t>
+            </a:r>
+          </a:p>
+        </p:txBody>
+      </p:sp>
+      <p:sp>
+        <p:nvSpPr>
+          <p:cNvPr id="5" name="직사각형 4">
+            <a:extLst>
+              <a:ext uri="{FF2B5EF4-FFF2-40B4-BE49-F238E27FC236}">
+                <a16:creationId xmlns:a16="http://schemas.microsoft.com/office/drawing/2014/main" id="{356D2266-76C9-BF5B-FD30-A939499031A9}"/>
+              </a:ext>
+            </a:extLst>
+          </p:cNvPr>
+          <p:cNvSpPr/>
+          <p:nvPr/>
+        </p:nvSpPr>
+        <p:spPr>
+          <a:xfrm>
+            <a:off x="5990145" y="1132144"/>
+            <a:ext cx="3234906" cy="2706432"/>
+          </a:xfrm>
+          <a:prstGeom prst="rect">
+            <a:avLst/>
+          </a:prstGeom>
+          <a:noFill/>
+        </p:spPr>
+        <p:style>
+          <a:lnRef idx="2">
+            <a:schemeClr val="accent4"/>
+          </a:lnRef>
+          <a:fillRef idx="1">
+            <a:schemeClr val="lt1"/>
+          </a:fillRef>
+          <a:effectRef idx="0">
+            <a:schemeClr val="accent4"/>
+          </a:effectRef>
+          <a:fontRef idx="minor">
+            <a:schemeClr val="dk1"/>
+          </a:fontRef>
+        </p:style>
+        <p:txBody>
+          <a:bodyPr rtlCol="0" anchor="ctr"/>
+          <a:lstStyle/>
+          <a:p>
+            <a:pPr algn="ctr"/>
+            <a:endParaRPr kumimoji="1" lang="ko-Kore-KR" altLang="en-US" sz="1400" dirty="0">
+              <a:solidFill>
+                <a:schemeClr val="tx1"/>
+              </a:solidFill>
+            </a:endParaRPr>
+          </a:p>
+        </p:txBody>
+      </p:sp>
+      <p:sp>
+        <p:nvSpPr>
+          <p:cNvPr id="6" name="직사각형 5">
+            <a:extLst>
+              <a:ext uri="{FF2B5EF4-FFF2-40B4-BE49-F238E27FC236}">
+                <a16:creationId xmlns:a16="http://schemas.microsoft.com/office/drawing/2014/main" id="{F2F6ABCE-EAF1-064A-0722-05BF2FF7169B}"/>
+              </a:ext>
+            </a:extLst>
+          </p:cNvPr>
+          <p:cNvSpPr/>
+          <p:nvPr/>
+        </p:nvSpPr>
+        <p:spPr>
+          <a:xfrm>
+            <a:off x="6643706" y="737257"/>
+            <a:ext cx="1838965" cy="369332"/>
+          </a:xfrm>
+          <a:prstGeom prst="rect">
+            <a:avLst/>
+          </a:prstGeom>
+        </p:spPr>
+        <p:txBody>
+          <a:bodyPr wrap="none">
+            <a:spAutoFit/>
+          </a:bodyPr>
+          <a:lstStyle/>
+          <a:p>
+            <a:r>
+              <a:rPr lang="en" altLang="ko-Kore-KR" dirty="0">
+                <a:solidFill>
+                  <a:srgbClr val="795E26"/>
+                </a:solidFill>
+                <a:latin typeface="DM Mono" panose="020B0509040201040103" pitchFamily="49" charset="0"/>
+              </a:rPr>
+              <a:t>main - Stack</a:t>
+            </a:r>
+            <a:endParaRPr lang="ko-Kore-KR" altLang="en-US" dirty="0"/>
+          </a:p>
+        </p:txBody>
+      </p:sp>
+      <p:sp>
+        <p:nvSpPr>
+          <p:cNvPr id="23" name="직사각형 22">
+            <a:extLst>
+              <a:ext uri="{FF2B5EF4-FFF2-40B4-BE49-F238E27FC236}">
+                <a16:creationId xmlns:a16="http://schemas.microsoft.com/office/drawing/2014/main" id="{576E4052-CC08-C1CF-3A55-BA2043A609A9}"/>
+              </a:ext>
+            </a:extLst>
+          </p:cNvPr>
+          <p:cNvSpPr/>
+          <p:nvPr/>
+        </p:nvSpPr>
+        <p:spPr>
+          <a:xfrm>
+            <a:off x="7049470" y="1461667"/>
+            <a:ext cx="401225" cy="518917"/>
+          </a:xfrm>
+          <a:prstGeom prst="rect">
+            <a:avLst/>
+          </a:prstGeom>
+          <a:solidFill>
+            <a:srgbClr val="FFFF00"/>
+          </a:solidFill>
+        </p:spPr>
+        <p:style>
+          <a:lnRef idx="2">
+            <a:schemeClr val="accent1">
+              <a:shade val="50000"/>
+            </a:schemeClr>
+          </a:lnRef>
+          <a:fillRef idx="1">
+            <a:schemeClr val="accent1"/>
+          </a:fillRef>
+          <a:effectRef idx="0">
+            <a:schemeClr val="accent1"/>
+          </a:effectRef>
+          <a:fontRef idx="minor">
+            <a:schemeClr val="lt1"/>
+          </a:fontRef>
+        </p:style>
+        <p:txBody>
+          <a:bodyPr rtlCol="0" anchor="ctr"/>
+          <a:lstStyle/>
+          <a:p>
+            <a:pPr algn="ctr"/>
+            <a:endParaRPr kumimoji="1" lang="ko-Kore-KR" altLang="en-US" sz="1400" dirty="0">
+              <a:solidFill>
+                <a:schemeClr val="tx1"/>
+              </a:solidFill>
+            </a:endParaRPr>
+          </a:p>
+        </p:txBody>
+      </p:sp>
+      <p:sp>
+        <p:nvSpPr>
+          <p:cNvPr id="2" name="직사각형 1">
+            <a:extLst>
+              <a:ext uri="{FF2B5EF4-FFF2-40B4-BE49-F238E27FC236}">
+                <a16:creationId xmlns:a16="http://schemas.microsoft.com/office/drawing/2014/main" id="{BEEA2B0E-9202-3185-3A16-A3F540658894}"/>
+              </a:ext>
+            </a:extLst>
+          </p:cNvPr>
+          <p:cNvSpPr/>
+          <p:nvPr/>
+        </p:nvSpPr>
+        <p:spPr>
+          <a:xfrm>
+            <a:off x="6551014" y="1536459"/>
+            <a:ext cx="460382" cy="369332"/>
+          </a:xfrm>
+          <a:prstGeom prst="rect">
+            <a:avLst/>
+          </a:prstGeom>
+        </p:spPr>
+        <p:txBody>
+          <a:bodyPr wrap="none">
+            <a:spAutoFit/>
+          </a:bodyPr>
+          <a:lstStyle/>
+          <a:p>
+            <a:r>
+              <a:rPr lang="en-US" altLang="ko-Kore-KR" dirty="0">
+                <a:solidFill>
+                  <a:srgbClr val="001080"/>
+                </a:solidFill>
+                <a:latin typeface="DM Mono" panose="020B0509040201040103" pitchFamily="49" charset="0"/>
+              </a:rPr>
+              <a:t>s1</a:t>
+            </a:r>
+            <a:endParaRPr lang="ko-Kore-KR" altLang="en-US" dirty="0"/>
+          </a:p>
+        </p:txBody>
+      </p:sp>
+      <p:sp>
+        <p:nvSpPr>
+          <p:cNvPr id="30" name="직사각형 29">
+            <a:extLst>
+              <a:ext uri="{FF2B5EF4-FFF2-40B4-BE49-F238E27FC236}">
+                <a16:creationId xmlns:a16="http://schemas.microsoft.com/office/drawing/2014/main" id="{6077D9DA-2C8B-F61D-2D7C-C599082C15AE}"/>
+              </a:ext>
+            </a:extLst>
+          </p:cNvPr>
+          <p:cNvSpPr/>
+          <p:nvPr/>
+        </p:nvSpPr>
+        <p:spPr>
+          <a:xfrm>
+            <a:off x="7049470" y="2400495"/>
+            <a:ext cx="401225" cy="518917"/>
+          </a:xfrm>
+          <a:prstGeom prst="rect">
+            <a:avLst/>
+          </a:prstGeom>
+          <a:solidFill>
+            <a:srgbClr val="FFFF00"/>
+          </a:solidFill>
+        </p:spPr>
+        <p:style>
+          <a:lnRef idx="2">
+            <a:schemeClr val="accent1">
+              <a:shade val="50000"/>
+            </a:schemeClr>
+          </a:lnRef>
+          <a:fillRef idx="1">
+            <a:schemeClr val="accent1"/>
+          </a:fillRef>
+          <a:effectRef idx="0">
+            <a:schemeClr val="accent1"/>
+          </a:effectRef>
+          <a:fontRef idx="minor">
+            <a:schemeClr val="lt1"/>
+          </a:fontRef>
+        </p:style>
+        <p:txBody>
+          <a:bodyPr rtlCol="0" anchor="ctr"/>
+          <a:lstStyle/>
+          <a:p>
+            <a:pPr algn="ctr"/>
+            <a:endParaRPr kumimoji="1" lang="ko-Kore-KR" altLang="en-US" sz="1400" dirty="0">
+              <a:solidFill>
+                <a:schemeClr val="tx1"/>
+              </a:solidFill>
+            </a:endParaRPr>
+          </a:p>
+        </p:txBody>
+      </p:sp>
+      <p:sp>
+        <p:nvSpPr>
+          <p:cNvPr id="31" name="직사각형 30">
+            <a:extLst>
+              <a:ext uri="{FF2B5EF4-FFF2-40B4-BE49-F238E27FC236}">
+                <a16:creationId xmlns:a16="http://schemas.microsoft.com/office/drawing/2014/main" id="{D7C14B2A-5EB3-AE9F-D6AB-3975B36FF567}"/>
+              </a:ext>
+            </a:extLst>
+          </p:cNvPr>
+          <p:cNvSpPr/>
+          <p:nvPr/>
+        </p:nvSpPr>
+        <p:spPr>
+          <a:xfrm>
+            <a:off x="6589088" y="2485360"/>
+            <a:ext cx="460382" cy="369332"/>
+          </a:xfrm>
+          <a:prstGeom prst="rect">
+            <a:avLst/>
+          </a:prstGeom>
+        </p:spPr>
+        <p:txBody>
+          <a:bodyPr wrap="none">
+            <a:spAutoFit/>
+          </a:bodyPr>
+          <a:lstStyle/>
+          <a:p>
+            <a:r>
+              <a:rPr lang="en" altLang="ko-Kore-KR" dirty="0">
+                <a:solidFill>
+                  <a:srgbClr val="001080"/>
+                </a:solidFill>
+                <a:latin typeface="DM Mono" panose="020B0509040201040103" pitchFamily="49" charset="0"/>
+              </a:rPr>
+              <a:t>s2</a:t>
+            </a:r>
+            <a:endParaRPr lang="ko-Kore-KR" altLang="en-US" dirty="0"/>
+          </a:p>
+        </p:txBody>
+      </p:sp>
+      <p:sp>
+        <p:nvSpPr>
+          <p:cNvPr id="3" name="직사각형 2">
+            <a:extLst>
+              <a:ext uri="{FF2B5EF4-FFF2-40B4-BE49-F238E27FC236}">
+                <a16:creationId xmlns:a16="http://schemas.microsoft.com/office/drawing/2014/main" id="{2F5ED69B-211C-51D1-8BE1-803B1B9C2D99}"/>
+              </a:ext>
+            </a:extLst>
+          </p:cNvPr>
+          <p:cNvSpPr/>
+          <p:nvPr/>
+        </p:nvSpPr>
+        <p:spPr>
+          <a:xfrm>
+            <a:off x="10090909" y="456843"/>
+            <a:ext cx="1287532" cy="369332"/>
+          </a:xfrm>
+          <a:prstGeom prst="rect">
+            <a:avLst/>
+          </a:prstGeom>
+        </p:spPr>
+        <p:txBody>
+          <a:bodyPr wrap="none">
+            <a:spAutoFit/>
+          </a:bodyPr>
+          <a:lstStyle/>
+          <a:p>
+            <a:r>
+              <a:rPr lang="en" altLang="ko-Kore-KR" dirty="0">
+                <a:solidFill>
+                  <a:srgbClr val="A31515"/>
+                </a:solidFill>
+                <a:highlight>
+                  <a:srgbClr val="FFFF00"/>
+                </a:highlight>
+                <a:latin typeface="DM Mono" panose="020B0509040201040103" pitchFamily="49" charset="0"/>
+              </a:rPr>
+              <a:t>"hello"</a:t>
+            </a:r>
+            <a:r>
+              <a:rPr lang="en" altLang="ko-Kore-KR" dirty="0">
+                <a:solidFill>
+                  <a:srgbClr val="000000"/>
+                </a:solidFill>
+                <a:highlight>
+                  <a:srgbClr val="FFFF00"/>
+                </a:highlight>
+                <a:latin typeface="DM Mono" panose="020B0509040201040103" pitchFamily="49" charset="0"/>
+              </a:rPr>
+              <a:t>;</a:t>
+            </a:r>
+            <a:endParaRPr lang="ko-Kore-KR" altLang="en-US" dirty="0">
+              <a:highlight>
+                <a:srgbClr val="FFFF00"/>
+              </a:highlight>
+            </a:endParaRPr>
+          </a:p>
+        </p:txBody>
+      </p:sp>
+      <p:cxnSp>
+        <p:nvCxnSpPr>
+          <p:cNvPr id="16" name="구부러진 연결선[U] 15">
+            <a:extLst>
+              <a:ext uri="{FF2B5EF4-FFF2-40B4-BE49-F238E27FC236}">
+                <a16:creationId xmlns:a16="http://schemas.microsoft.com/office/drawing/2014/main" id="{04030A07-4D22-3C36-AD15-4E4669C9FA2F}"/>
+              </a:ext>
+            </a:extLst>
+          </p:cNvPr>
+          <p:cNvCxnSpPr>
+            <a:cxnSpLocks/>
+            <a:stCxn id="30" idx="3"/>
+            <a:endCxn id="3" idx="1"/>
+          </p:cNvCxnSpPr>
+          <p:nvPr/>
+        </p:nvCxnSpPr>
+        <p:spPr>
+          <a:xfrm flipV="1">
+            <a:off x="7450695" y="641509"/>
+            <a:ext cx="2640214" cy="2018445"/>
+          </a:xfrm>
+          <a:prstGeom prst="curvedConnector3">
+            <a:avLst>
+              <a:gd name="adj1" fmla="val 50000"/>
+            </a:avLst>
+          </a:prstGeom>
+          <a:ln>
+            <a:tailEnd type="triangle"/>
+          </a:ln>
+        </p:spPr>
+        <p:style>
+          <a:lnRef idx="1">
+            <a:schemeClr val="accent1"/>
+          </a:lnRef>
+          <a:fillRef idx="0">
+            <a:schemeClr val="accent1"/>
+          </a:fillRef>
+          <a:effectRef idx="0">
+            <a:schemeClr val="accent1"/>
+          </a:effectRef>
+          <a:fontRef idx="minor">
+            <a:schemeClr val="tx1"/>
+          </a:fontRef>
+        </p:style>
+      </p:cxnSp>
+      <p:sp>
+        <p:nvSpPr>
+          <p:cNvPr id="33" name="TextBox 32">
+            <a:extLst>
+              <a:ext uri="{FF2B5EF4-FFF2-40B4-BE49-F238E27FC236}">
+                <a16:creationId xmlns:a16="http://schemas.microsoft.com/office/drawing/2014/main" id="{2CC1EBBC-0AEE-D9ED-2676-010A9C55CA95}"/>
+              </a:ext>
+            </a:extLst>
+          </p:cNvPr>
+          <p:cNvSpPr txBox="1"/>
+          <p:nvPr/>
+        </p:nvSpPr>
+        <p:spPr>
+          <a:xfrm>
+            <a:off x="1400175" y="1809750"/>
+            <a:ext cx="184731" cy="369332"/>
+          </a:xfrm>
+          <a:prstGeom prst="rect">
+            <a:avLst/>
+          </a:prstGeom>
+          <a:noFill/>
+        </p:spPr>
+        <p:txBody>
+          <a:bodyPr wrap="none" rtlCol="0">
+            <a:spAutoFit/>
+          </a:bodyPr>
+          <a:lstStyle/>
+          <a:p>
+            <a:endParaRPr kumimoji="1" lang="ko-Kore-KR" altLang="en-US" dirty="0"/>
+          </a:p>
+        </p:txBody>
+      </p:sp>
+      <p:cxnSp>
+        <p:nvCxnSpPr>
+          <p:cNvPr id="19" name="구부러진 연결선[U] 18">
+            <a:extLst>
+              <a:ext uri="{FF2B5EF4-FFF2-40B4-BE49-F238E27FC236}">
+                <a16:creationId xmlns:a16="http://schemas.microsoft.com/office/drawing/2014/main" id="{7BAE48EB-BC44-B303-099B-5637076D1BE6}"/>
+              </a:ext>
+            </a:extLst>
+          </p:cNvPr>
+          <p:cNvCxnSpPr>
+            <a:cxnSpLocks/>
+            <a:stCxn id="23" idx="3"/>
+            <a:endCxn id="3" idx="1"/>
+          </p:cNvCxnSpPr>
+          <p:nvPr/>
+        </p:nvCxnSpPr>
+        <p:spPr>
+          <a:xfrm flipV="1">
+            <a:off x="7450695" y="641509"/>
+            <a:ext cx="2640214" cy="1079617"/>
+          </a:xfrm>
+          <a:prstGeom prst="curvedConnector3">
+            <a:avLst>
+              <a:gd name="adj1" fmla="val 50000"/>
+            </a:avLst>
+          </a:prstGeom>
+          <a:ln>
+            <a:tailEnd type="triangle"/>
+          </a:ln>
+        </p:spPr>
+        <p:style>
+          <a:lnRef idx="1">
+            <a:schemeClr val="accent1"/>
+          </a:lnRef>
+          <a:fillRef idx="0">
+            <a:schemeClr val="accent1"/>
+          </a:fillRef>
+          <a:effectRef idx="0">
+            <a:schemeClr val="accent1"/>
+          </a:effectRef>
+          <a:fontRef idx="minor">
+            <a:schemeClr val="tx1"/>
+          </a:fontRef>
+        </p:style>
+      </p:cxnSp>
+      <p:sp>
+        <p:nvSpPr>
+          <p:cNvPr id="22" name="직사각형 21">
+            <a:extLst>
+              <a:ext uri="{FF2B5EF4-FFF2-40B4-BE49-F238E27FC236}">
+                <a16:creationId xmlns:a16="http://schemas.microsoft.com/office/drawing/2014/main" id="{C45F711F-06C7-CF7C-F980-3931AD2107FC}"/>
+              </a:ext>
+            </a:extLst>
+          </p:cNvPr>
+          <p:cNvSpPr/>
+          <p:nvPr/>
+        </p:nvSpPr>
+        <p:spPr>
+          <a:xfrm>
+            <a:off x="7039437" y="3129060"/>
+            <a:ext cx="401225" cy="518917"/>
+          </a:xfrm>
+          <a:prstGeom prst="rect">
+            <a:avLst/>
+          </a:prstGeom>
+          <a:solidFill>
+            <a:srgbClr val="FFFF00"/>
+          </a:solidFill>
+        </p:spPr>
+        <p:style>
+          <a:lnRef idx="2">
+            <a:schemeClr val="accent1">
+              <a:shade val="50000"/>
+            </a:schemeClr>
+          </a:lnRef>
+          <a:fillRef idx="1">
+            <a:schemeClr val="accent1"/>
+          </a:fillRef>
+          <a:effectRef idx="0">
+            <a:schemeClr val="accent1"/>
+          </a:effectRef>
+          <a:fontRef idx="minor">
+            <a:schemeClr val="lt1"/>
+          </a:fontRef>
+        </p:style>
+        <p:txBody>
+          <a:bodyPr rtlCol="0" anchor="ctr"/>
+          <a:lstStyle/>
+          <a:p>
+            <a:pPr algn="ctr"/>
+            <a:r>
+              <a:rPr kumimoji="1" lang="en-US" altLang="ko-Kore-KR" sz="1400" dirty="0">
+                <a:solidFill>
+                  <a:schemeClr val="tx1"/>
+                </a:solidFill>
+              </a:rPr>
+              <a:t>h</a:t>
+            </a:r>
+            <a:endParaRPr kumimoji="1" lang="ko-Kore-KR" altLang="en-US" sz="1400" dirty="0">
+              <a:solidFill>
+                <a:schemeClr val="tx1"/>
+              </a:solidFill>
+            </a:endParaRPr>
+          </a:p>
+        </p:txBody>
+      </p:sp>
+      <p:sp>
+        <p:nvSpPr>
+          <p:cNvPr id="24" name="직사각형 23">
+            <a:extLst>
+              <a:ext uri="{FF2B5EF4-FFF2-40B4-BE49-F238E27FC236}">
+                <a16:creationId xmlns:a16="http://schemas.microsoft.com/office/drawing/2014/main" id="{AA5E1D7D-4625-4B1A-0EE4-A7B8BDA4FC2C}"/>
+              </a:ext>
+            </a:extLst>
+          </p:cNvPr>
+          <p:cNvSpPr/>
+          <p:nvPr/>
+        </p:nvSpPr>
+        <p:spPr>
+          <a:xfrm>
+            <a:off x="7440662" y="3129060"/>
+            <a:ext cx="401225" cy="518917"/>
+          </a:xfrm>
+          <a:prstGeom prst="rect">
+            <a:avLst/>
+          </a:prstGeom>
+          <a:solidFill>
+            <a:srgbClr val="FFFF00"/>
+          </a:solidFill>
+        </p:spPr>
+        <p:style>
+          <a:lnRef idx="2">
+            <a:schemeClr val="accent1">
+              <a:shade val="50000"/>
+            </a:schemeClr>
+          </a:lnRef>
+          <a:fillRef idx="1">
+            <a:schemeClr val="accent1"/>
+          </a:fillRef>
+          <a:effectRef idx="0">
+            <a:schemeClr val="accent1"/>
+          </a:effectRef>
+          <a:fontRef idx="minor">
+            <a:schemeClr val="lt1"/>
+          </a:fontRef>
+        </p:style>
+        <p:txBody>
+          <a:bodyPr rtlCol="0" anchor="ctr"/>
+          <a:lstStyle/>
+          <a:p>
+            <a:pPr algn="ctr"/>
+            <a:r>
+              <a:rPr kumimoji="1" lang="en-US" altLang="ko-Kore-KR" sz="1400" dirty="0">
+                <a:solidFill>
+                  <a:schemeClr val="tx1"/>
+                </a:solidFill>
+              </a:rPr>
+              <a:t>e</a:t>
+            </a:r>
+            <a:endParaRPr kumimoji="1" lang="ko-Kore-KR" altLang="en-US" sz="1400" dirty="0">
+              <a:solidFill>
+                <a:schemeClr val="tx1"/>
+              </a:solidFill>
+            </a:endParaRPr>
+          </a:p>
+        </p:txBody>
+      </p:sp>
+      <p:sp>
+        <p:nvSpPr>
+          <p:cNvPr id="32" name="직사각형 31">
+            <a:extLst>
+              <a:ext uri="{FF2B5EF4-FFF2-40B4-BE49-F238E27FC236}">
+                <a16:creationId xmlns:a16="http://schemas.microsoft.com/office/drawing/2014/main" id="{4FE55F51-9487-018F-06E6-D440AA7D81AC}"/>
+              </a:ext>
+            </a:extLst>
+          </p:cNvPr>
+          <p:cNvSpPr/>
+          <p:nvPr/>
+        </p:nvSpPr>
+        <p:spPr>
+          <a:xfrm>
+            <a:off x="7841887" y="3129060"/>
+            <a:ext cx="401225" cy="518917"/>
+          </a:xfrm>
+          <a:prstGeom prst="rect">
+            <a:avLst/>
+          </a:prstGeom>
+          <a:solidFill>
+            <a:srgbClr val="FFFF00"/>
+          </a:solidFill>
+        </p:spPr>
+        <p:style>
+          <a:lnRef idx="2">
+            <a:schemeClr val="accent1">
+              <a:shade val="50000"/>
+            </a:schemeClr>
+          </a:lnRef>
+          <a:fillRef idx="1">
+            <a:schemeClr val="accent1"/>
+          </a:fillRef>
+          <a:effectRef idx="0">
+            <a:schemeClr val="accent1"/>
+          </a:effectRef>
+          <a:fontRef idx="minor">
+            <a:schemeClr val="lt1"/>
+          </a:fontRef>
+        </p:style>
+        <p:txBody>
+          <a:bodyPr rtlCol="0" anchor="ctr"/>
+          <a:lstStyle/>
+          <a:p>
+            <a:pPr algn="ctr"/>
+            <a:r>
+              <a:rPr kumimoji="1" lang="en-US" altLang="ko-Kore-KR" sz="1400" dirty="0">
+                <a:solidFill>
+                  <a:schemeClr val="tx1"/>
+                </a:solidFill>
+              </a:rPr>
+              <a:t>l</a:t>
+            </a:r>
+            <a:endParaRPr kumimoji="1" lang="ko-Kore-KR" altLang="en-US" sz="1400" dirty="0">
+              <a:solidFill>
+                <a:schemeClr val="tx1"/>
+              </a:solidFill>
+            </a:endParaRPr>
+          </a:p>
+        </p:txBody>
+      </p:sp>
+      <p:sp>
+        <p:nvSpPr>
+          <p:cNvPr id="34" name="직사각형 33">
+            <a:extLst>
+              <a:ext uri="{FF2B5EF4-FFF2-40B4-BE49-F238E27FC236}">
+                <a16:creationId xmlns:a16="http://schemas.microsoft.com/office/drawing/2014/main" id="{BB833290-2524-7875-CC8E-ED489B468B33}"/>
+              </a:ext>
+            </a:extLst>
+          </p:cNvPr>
+          <p:cNvSpPr/>
+          <p:nvPr/>
+        </p:nvSpPr>
+        <p:spPr>
+          <a:xfrm>
+            <a:off x="8243112" y="3129060"/>
+            <a:ext cx="401225" cy="518917"/>
+          </a:xfrm>
+          <a:prstGeom prst="rect">
+            <a:avLst/>
+          </a:prstGeom>
+          <a:solidFill>
+            <a:srgbClr val="FFFF00"/>
+          </a:solidFill>
+        </p:spPr>
+        <p:style>
+          <a:lnRef idx="2">
+            <a:schemeClr val="accent1">
+              <a:shade val="50000"/>
+            </a:schemeClr>
+          </a:lnRef>
+          <a:fillRef idx="1">
+            <a:schemeClr val="accent1"/>
+          </a:fillRef>
+          <a:effectRef idx="0">
+            <a:schemeClr val="accent1"/>
+          </a:effectRef>
+          <a:fontRef idx="minor">
+            <a:schemeClr val="lt1"/>
+          </a:fontRef>
+        </p:style>
+        <p:txBody>
+          <a:bodyPr rtlCol="0" anchor="ctr"/>
+          <a:lstStyle/>
+          <a:p>
+            <a:pPr algn="ctr"/>
+            <a:r>
+              <a:rPr kumimoji="1" lang="en-US" altLang="ko-Kore-KR" sz="1400" dirty="0">
+                <a:solidFill>
+                  <a:schemeClr val="tx1"/>
+                </a:solidFill>
+              </a:rPr>
+              <a:t>l</a:t>
+            </a:r>
+            <a:endParaRPr kumimoji="1" lang="ko-Kore-KR" altLang="en-US" sz="1400" dirty="0">
+              <a:solidFill>
+                <a:schemeClr val="tx1"/>
+              </a:solidFill>
+            </a:endParaRPr>
+          </a:p>
+        </p:txBody>
+      </p:sp>
+      <p:sp>
+        <p:nvSpPr>
+          <p:cNvPr id="35" name="직사각형 34">
+            <a:extLst>
+              <a:ext uri="{FF2B5EF4-FFF2-40B4-BE49-F238E27FC236}">
+                <a16:creationId xmlns:a16="http://schemas.microsoft.com/office/drawing/2014/main" id="{4F4A0613-9CF6-60E6-BF66-FE7F5F4467E5}"/>
+              </a:ext>
+            </a:extLst>
+          </p:cNvPr>
+          <p:cNvSpPr/>
+          <p:nvPr/>
+        </p:nvSpPr>
+        <p:spPr>
+          <a:xfrm>
+            <a:off x="8644337" y="3129060"/>
+            <a:ext cx="401225" cy="518917"/>
+          </a:xfrm>
+          <a:prstGeom prst="rect">
+            <a:avLst/>
+          </a:prstGeom>
+          <a:solidFill>
+            <a:srgbClr val="FFFF00"/>
+          </a:solidFill>
+        </p:spPr>
+        <p:style>
+          <a:lnRef idx="2">
+            <a:schemeClr val="accent1">
+              <a:shade val="50000"/>
+            </a:schemeClr>
+          </a:lnRef>
+          <a:fillRef idx="1">
+            <a:schemeClr val="accent1"/>
+          </a:fillRef>
+          <a:effectRef idx="0">
+            <a:schemeClr val="accent1"/>
+          </a:effectRef>
+          <a:fontRef idx="minor">
+            <a:schemeClr val="lt1"/>
+          </a:fontRef>
+        </p:style>
+        <p:txBody>
+          <a:bodyPr rtlCol="0" anchor="ctr"/>
+          <a:lstStyle/>
+          <a:p>
+            <a:pPr algn="ctr"/>
+            <a:r>
+              <a:rPr kumimoji="1" lang="en-US" altLang="ko-Kore-KR" sz="1400" dirty="0">
+                <a:solidFill>
+                  <a:schemeClr val="tx1"/>
+                </a:solidFill>
+              </a:rPr>
+              <a:t>o</a:t>
+            </a:r>
+            <a:endParaRPr kumimoji="1" lang="ko-Kore-KR" altLang="en-US" sz="1400" dirty="0">
+              <a:solidFill>
+                <a:schemeClr val="tx1"/>
+              </a:solidFill>
+            </a:endParaRPr>
+          </a:p>
+        </p:txBody>
+      </p:sp>
+      <p:sp>
+        <p:nvSpPr>
+          <p:cNvPr id="36" name="직사각형 35">
+            <a:extLst>
+              <a:ext uri="{FF2B5EF4-FFF2-40B4-BE49-F238E27FC236}">
+                <a16:creationId xmlns:a16="http://schemas.microsoft.com/office/drawing/2014/main" id="{F48845C1-0304-9737-AA2E-57FA391EAEC0}"/>
+              </a:ext>
+            </a:extLst>
+          </p:cNvPr>
+          <p:cNvSpPr/>
+          <p:nvPr/>
+        </p:nvSpPr>
+        <p:spPr>
+          <a:xfrm>
+            <a:off x="9045562" y="3129060"/>
+            <a:ext cx="401225" cy="518917"/>
+          </a:xfrm>
+          <a:prstGeom prst="rect">
+            <a:avLst/>
+          </a:prstGeom>
+          <a:solidFill>
+            <a:srgbClr val="FFFF00"/>
+          </a:solidFill>
+        </p:spPr>
+        <p:style>
+          <a:lnRef idx="2">
+            <a:schemeClr val="accent1">
+              <a:shade val="50000"/>
+            </a:schemeClr>
+          </a:lnRef>
+          <a:fillRef idx="1">
+            <a:schemeClr val="accent1"/>
+          </a:fillRef>
+          <a:effectRef idx="0">
+            <a:schemeClr val="accent1"/>
+          </a:effectRef>
+          <a:fontRef idx="minor">
+            <a:schemeClr val="lt1"/>
+          </a:fontRef>
+        </p:style>
+        <p:txBody>
+          <a:bodyPr rtlCol="0" anchor="ctr"/>
+          <a:lstStyle/>
+          <a:p>
+            <a:pPr algn="ctr"/>
+            <a:r>
+              <a:rPr kumimoji="1" lang="en-US" altLang="ko-Kore-KR" sz="1400" dirty="0">
+                <a:solidFill>
+                  <a:schemeClr val="tx1"/>
+                </a:solidFill>
+              </a:rPr>
+              <a:t>\0</a:t>
+            </a:r>
+            <a:endParaRPr kumimoji="1" lang="ko-Kore-KR" altLang="en-US" sz="1400" dirty="0">
+              <a:solidFill>
+                <a:schemeClr val="tx1"/>
+              </a:solidFill>
+            </a:endParaRPr>
+          </a:p>
+        </p:txBody>
+      </p:sp>
+      <p:sp>
+        <p:nvSpPr>
+          <p:cNvPr id="37" name="직사각형 36">
+            <a:extLst>
+              <a:ext uri="{FF2B5EF4-FFF2-40B4-BE49-F238E27FC236}">
+                <a16:creationId xmlns:a16="http://schemas.microsoft.com/office/drawing/2014/main" id="{BA6E32C5-1011-D4F6-FE73-41BC2F8C1D1E}"/>
+              </a:ext>
+            </a:extLst>
+          </p:cNvPr>
+          <p:cNvSpPr/>
+          <p:nvPr/>
+        </p:nvSpPr>
+        <p:spPr>
+          <a:xfrm>
+            <a:off x="6441196" y="3203852"/>
+            <a:ext cx="460382" cy="369332"/>
+          </a:xfrm>
+          <a:prstGeom prst="rect">
+            <a:avLst/>
+          </a:prstGeom>
+        </p:spPr>
+        <p:txBody>
+          <a:bodyPr wrap="none">
+            <a:spAutoFit/>
+          </a:bodyPr>
+          <a:lstStyle/>
+          <a:p>
+            <a:r>
+              <a:rPr lang="en" altLang="ko-Kore-KR" dirty="0">
+                <a:solidFill>
+                  <a:srgbClr val="001080"/>
+                </a:solidFill>
+                <a:latin typeface="DM Mono" panose="020B0509040201040103" pitchFamily="49" charset="0"/>
+              </a:rPr>
+              <a:t>s3</a:t>
+            </a:r>
+            <a:endParaRPr lang="ko-Kore-KR" altLang="en-US" dirty="0"/>
+          </a:p>
+        </p:txBody>
+      </p:sp>
+    </p:spTree>
+    <p:extLst>
+      <p:ext uri="{BB962C8B-B14F-4D97-AF65-F5344CB8AC3E}">
+        <p14:creationId xmlns:p14="http://schemas.microsoft.com/office/powerpoint/2010/main" val="1570958349"/>
       </p:ext>
     </p:extLst>
   </p:cSld>
